--- a/slides/python/ppt/01 - Python Basics.pptx
+++ b/slides/python/ppt/01 - Python Basics.pptx
@@ -53,10 +53,10 @@
     <p:sldId id="432" r:id="rId44"/>
     <p:sldId id="433" r:id="rId45"/>
     <p:sldId id="419" r:id="rId46"/>
-    <p:sldId id="500" r:id="rId47"/>
-    <p:sldId id="417" r:id="rId48"/>
+    <p:sldId id="426" r:id="rId47"/>
+    <p:sldId id="500" r:id="rId48"/>
     <p:sldId id="418" r:id="rId49"/>
-    <p:sldId id="426" r:id="rId50"/>
+    <p:sldId id="417" r:id="rId50"/>
     <p:sldId id="434" r:id="rId51"/>
     <p:sldId id="283" r:id="rId52"/>
     <p:sldId id="441" r:id="rId53"/>
@@ -373,7 +373,7 @@
               <a:pPr>
                 <a:defRPr/>
               </a:pPr>
-              <a:t>24/11/20</a:t>
+              <a:t>25/11/20</a:t>
             </a:fld>
             <a:endParaRPr lang="it-IT"/>
           </a:p>
@@ -13092,7 +13092,12 @@
             <p:ph sz="half" idx="2"/>
           </p:nvPr>
         </p:nvSpPr>
-        <p:spPr/>
+        <p:spPr>
+          <a:xfrm>
+            <a:off x="4648200" y="1600200"/>
+            <a:ext cx="4038600" cy="4525963"/>
+          </a:xfrm>
+        </p:spPr>
         <p:txBody>
           <a:bodyPr/>
           <a:lstStyle/>
@@ -13101,56 +13106,51 @@
               <a:buNone/>
             </a:pPr>
             <a:r>
-              <a:rPr lang="it-IT" sz="2000" dirty="0">
-                <a:latin typeface="Consolas" panose="020B0609020204030204" pitchFamily="49" charset="0"/>
-                <a:cs typeface="Consolas" panose="020B0609020204030204" pitchFamily="49" charset="0"/>
-              </a:rPr>
-              <a:t>&gt;&gt;&gt; x = 4 </a:t>
-            </a:r>
-          </a:p>
-          <a:p>
-            <a:pPr marL="0" indent="0">
-              <a:buNone/>
-            </a:pPr>
-            <a:r>
-              <a:rPr lang="it-IT" sz="2000" dirty="0">
-                <a:latin typeface="Consolas" panose="020B0609020204030204" pitchFamily="49" charset="0"/>
-                <a:cs typeface="Consolas" panose="020B0609020204030204" pitchFamily="49" charset="0"/>
-              </a:rPr>
-              <a:t>&gt;&gt;&gt; </a:t>
-            </a:r>
-            <a:r>
-              <a:rPr lang="it-IT" sz="2000" dirty="0" err="1">
+              <a:rPr lang="it-IT" sz="1800" dirty="0">
+                <a:latin typeface="Consolas" panose="020B0609020204030204" pitchFamily="49" charset="0"/>
+                <a:cs typeface="Consolas" panose="020B0609020204030204" pitchFamily="49" charset="0"/>
+              </a:rPr>
+              <a:t>x = 4 </a:t>
+            </a:r>
+          </a:p>
+          <a:p>
+            <a:pPr marL="0" indent="0">
+              <a:buNone/>
+            </a:pPr>
+            <a:r>
+              <a:rPr lang="it-IT" sz="1800" dirty="0" err="1">
+                <a:latin typeface="Consolas" panose="020B0609020204030204" pitchFamily="49" charset="0"/>
+                <a:cs typeface="Consolas" panose="020B0609020204030204" pitchFamily="49" charset="0"/>
+              </a:rPr>
+              <a:t>print</a:t>
+            </a:r>
+            <a:r>
+              <a:rPr lang="it-IT" sz="1800" dirty="0">
+                <a:latin typeface="Consolas" panose="020B0609020204030204" pitchFamily="49" charset="0"/>
+                <a:cs typeface="Consolas" panose="020B0609020204030204" pitchFamily="49" charset="0"/>
+              </a:rPr>
+              <a:t>(</a:t>
+            </a:r>
+            <a:r>
+              <a:rPr lang="it-IT" sz="1800" dirty="0" err="1">
                 <a:latin typeface="Consolas" panose="020B0609020204030204" pitchFamily="49" charset="0"/>
                 <a:cs typeface="Consolas" panose="020B0609020204030204" pitchFamily="49" charset="0"/>
               </a:rPr>
               <a:t>type</a:t>
             </a:r>
             <a:r>
-              <a:rPr lang="it-IT" sz="2000" dirty="0">
-                <a:latin typeface="Consolas" panose="020B0609020204030204" pitchFamily="49" charset="0"/>
-                <a:cs typeface="Consolas" panose="020B0609020204030204" pitchFamily="49" charset="0"/>
-              </a:rPr>
-              <a:t>(x) </a:t>
-            </a:r>
-          </a:p>
-          <a:p>
-            <a:pPr marL="0" indent="0">
-              <a:buNone/>
-            </a:pPr>
-            <a:r>
-              <a:rPr lang="it-IT" sz="2000" dirty="0" err="1">
-                <a:solidFill>
-                  <a:schemeClr val="accent6">
-                    <a:lumMod val="75000"/>
-                  </a:schemeClr>
-                </a:solidFill>
-                <a:latin typeface="Consolas" panose="020B0609020204030204" pitchFamily="49" charset="0"/>
-                <a:cs typeface="Consolas" panose="020B0609020204030204" pitchFamily="49" charset="0"/>
-              </a:rPr>
-              <a:t>int</a:t>
-            </a:r>
-            <a:endParaRPr lang="it-IT" sz="2000" dirty="0">
+              <a:rPr lang="it-IT" sz="1800" dirty="0">
+                <a:latin typeface="Consolas" panose="020B0609020204030204" pitchFamily="49" charset="0"/>
+                <a:cs typeface="Consolas" panose="020B0609020204030204" pitchFamily="49" charset="0"/>
+              </a:rPr>
+              <a:t>(x))</a:t>
+            </a:r>
+          </a:p>
+          <a:p>
+            <a:pPr marL="0" indent="0">
+              <a:buNone/>
+            </a:pPr>
+            <a:endParaRPr lang="it-IT" sz="1800" dirty="0">
               <a:solidFill>
                 <a:schemeClr val="accent6">
                   <a:lumMod val="75000"/>
@@ -13165,56 +13165,46 @@
               <a:buNone/>
             </a:pPr>
             <a:r>
-              <a:rPr lang="it-IT" sz="2000" dirty="0">
-                <a:latin typeface="Consolas" panose="020B0609020204030204" pitchFamily="49" charset="0"/>
-                <a:cs typeface="Consolas" panose="020B0609020204030204" pitchFamily="49" charset="0"/>
-              </a:rPr>
-              <a:t>&gt;&gt;&gt; x = 'hello’ </a:t>
-            </a:r>
-          </a:p>
-          <a:p>
-            <a:pPr marL="0" indent="0">
-              <a:buNone/>
-            </a:pPr>
-            <a:r>
-              <a:rPr lang="it-IT" sz="2000" dirty="0">
-                <a:latin typeface="Consolas" panose="020B0609020204030204" pitchFamily="49" charset="0"/>
-                <a:cs typeface="Consolas" panose="020B0609020204030204" pitchFamily="49" charset="0"/>
-              </a:rPr>
-              <a:t>&gt;&gt;&gt; </a:t>
-            </a:r>
-            <a:r>
-              <a:rPr lang="it-IT" sz="2000" dirty="0" err="1">
+              <a:rPr lang="it-IT" sz="1800" dirty="0">
+                <a:latin typeface="Consolas" panose="020B0609020204030204" pitchFamily="49" charset="0"/>
+                <a:cs typeface="Consolas" panose="020B0609020204030204" pitchFamily="49" charset="0"/>
+              </a:rPr>
+              <a:t>x = 'hello' </a:t>
+            </a:r>
+          </a:p>
+          <a:p>
+            <a:pPr marL="0" indent="0">
+              <a:buNone/>
+            </a:pPr>
+            <a:r>
+              <a:rPr lang="it-IT" sz="1800" dirty="0" err="1">
+                <a:latin typeface="Consolas" panose="020B0609020204030204" pitchFamily="49" charset="0"/>
+                <a:cs typeface="Consolas" panose="020B0609020204030204" pitchFamily="49" charset="0"/>
+              </a:rPr>
+              <a:t>print</a:t>
+            </a:r>
+            <a:r>
+              <a:rPr lang="it-IT" sz="1800" dirty="0">
+                <a:latin typeface="Consolas" panose="020B0609020204030204" pitchFamily="49" charset="0"/>
+                <a:cs typeface="Consolas" panose="020B0609020204030204" pitchFamily="49" charset="0"/>
+              </a:rPr>
+              <a:t>(</a:t>
+            </a:r>
+            <a:r>
+              <a:rPr lang="it-IT" sz="1800" dirty="0" err="1">
                 <a:latin typeface="Consolas" panose="020B0609020204030204" pitchFamily="49" charset="0"/>
                 <a:cs typeface="Consolas" panose="020B0609020204030204" pitchFamily="49" charset="0"/>
               </a:rPr>
               <a:t>type</a:t>
             </a:r>
             <a:r>
-              <a:rPr lang="it-IT" sz="2000" dirty="0">
-                <a:latin typeface="Consolas" panose="020B0609020204030204" pitchFamily="49" charset="0"/>
-                <a:cs typeface="Consolas" panose="020B0609020204030204" pitchFamily="49" charset="0"/>
-              </a:rPr>
-              <a:t>(x) </a:t>
-            </a:r>
-          </a:p>
-          <a:p>
-            <a:pPr marL="0" indent="0">
-              <a:buNone/>
-            </a:pPr>
-            <a:r>
-              <a:rPr lang="it-IT" sz="2000" dirty="0" err="1">
-                <a:solidFill>
-                  <a:schemeClr val="accent6">
-                    <a:lumMod val="75000"/>
-                  </a:schemeClr>
-                </a:solidFill>
-                <a:latin typeface="Consolas" panose="020B0609020204030204" pitchFamily="49" charset="0"/>
-                <a:cs typeface="Consolas" panose="020B0609020204030204" pitchFamily="49" charset="0"/>
-              </a:rPr>
-              <a:t>str</a:t>
-            </a:r>
-            <a:endParaRPr lang="it-IT" sz="2000" dirty="0">
+              <a:rPr lang="it-IT" sz="1800" dirty="0">
+                <a:latin typeface="Consolas" panose="020B0609020204030204" pitchFamily="49" charset="0"/>
+                <a:cs typeface="Consolas" panose="020B0609020204030204" pitchFamily="49" charset="0"/>
+              </a:rPr>
+              <a:t>(x))</a:t>
+            </a:r>
+            <a:endParaRPr lang="it-IT" sz="1800" dirty="0">
               <a:solidFill>
                 <a:schemeClr val="accent6">
                   <a:lumMod val="75000"/>
@@ -13228,56 +13218,201 @@
             <a:pPr marL="0" indent="0">
               <a:buNone/>
             </a:pPr>
-            <a:r>
-              <a:rPr lang="it-IT" sz="2000" dirty="0">
-                <a:latin typeface="Consolas" panose="020B0609020204030204" pitchFamily="49" charset="0"/>
-                <a:cs typeface="Consolas" panose="020B0609020204030204" pitchFamily="49" charset="0"/>
-              </a:rPr>
-              <a:t>&gt;&gt;&gt; x = 3.14159 </a:t>
-            </a:r>
-          </a:p>
-          <a:p>
-            <a:pPr marL="0" indent="0">
-              <a:buNone/>
-            </a:pPr>
-            <a:r>
-              <a:rPr lang="it-IT" sz="2000" dirty="0">
-                <a:latin typeface="Consolas" panose="020B0609020204030204" pitchFamily="49" charset="0"/>
-                <a:cs typeface="Consolas" panose="020B0609020204030204" pitchFamily="49" charset="0"/>
-              </a:rPr>
-              <a:t>&gt;&gt;&gt; </a:t>
-            </a:r>
-            <a:r>
-              <a:rPr lang="it-IT" sz="2000" dirty="0" err="1">
+            <a:endParaRPr lang="it-IT" sz="1800" dirty="0">
+              <a:latin typeface="Consolas" panose="020B0609020204030204" pitchFamily="49" charset="0"/>
+              <a:cs typeface="Consolas" panose="020B0609020204030204" pitchFamily="49" charset="0"/>
+            </a:endParaRPr>
+          </a:p>
+          <a:p>
+            <a:pPr marL="0" indent="0">
+              <a:buNone/>
+            </a:pPr>
+            <a:r>
+              <a:rPr lang="it-IT" sz="1800" dirty="0">
+                <a:latin typeface="Consolas" panose="020B0609020204030204" pitchFamily="49" charset="0"/>
+                <a:cs typeface="Consolas" panose="020B0609020204030204" pitchFamily="49" charset="0"/>
+              </a:rPr>
+              <a:t>x = 3.14159 </a:t>
+            </a:r>
+          </a:p>
+          <a:p>
+            <a:pPr marL="0" indent="0">
+              <a:buNone/>
+            </a:pPr>
+            <a:r>
+              <a:rPr lang="it-IT" sz="1800" dirty="0" err="1">
+                <a:latin typeface="Consolas" panose="020B0609020204030204" pitchFamily="49" charset="0"/>
+                <a:cs typeface="Consolas" panose="020B0609020204030204" pitchFamily="49" charset="0"/>
+              </a:rPr>
+              <a:t>print</a:t>
+            </a:r>
+            <a:r>
+              <a:rPr lang="it-IT" sz="1800" dirty="0">
+                <a:latin typeface="Consolas" panose="020B0609020204030204" pitchFamily="49" charset="0"/>
+                <a:cs typeface="Consolas" panose="020B0609020204030204" pitchFamily="49" charset="0"/>
+              </a:rPr>
+              <a:t>(</a:t>
+            </a:r>
+            <a:r>
+              <a:rPr lang="it-IT" sz="1800" dirty="0" err="1">
                 <a:latin typeface="Consolas" panose="020B0609020204030204" pitchFamily="49" charset="0"/>
                 <a:cs typeface="Consolas" panose="020B0609020204030204" pitchFamily="49" charset="0"/>
               </a:rPr>
               <a:t>type</a:t>
             </a:r>
             <a:r>
-              <a:rPr lang="it-IT" sz="2000" dirty="0">
-                <a:latin typeface="Consolas" panose="020B0609020204030204" pitchFamily="49" charset="0"/>
-                <a:cs typeface="Consolas" panose="020B0609020204030204" pitchFamily="49" charset="0"/>
-              </a:rPr>
-              <a:t>(x)</a:t>
-            </a:r>
-          </a:p>
-          <a:p>
-            <a:pPr marL="0" indent="0">
-              <a:buNone/>
-            </a:pPr>
-            <a:r>
-              <a:rPr lang="en-GB" sz="2000" dirty="0">
-                <a:solidFill>
-                  <a:schemeClr val="accent6">
-                    <a:lumMod val="75000"/>
-                  </a:schemeClr>
-                </a:solidFill>
-                <a:latin typeface="Consolas" panose="020B0609020204030204" pitchFamily="49" charset="0"/>
-                <a:cs typeface="Consolas" panose="020B0609020204030204" pitchFamily="49" charset="0"/>
-              </a:rPr>
-              <a:t>float</a:t>
-            </a:r>
+              <a:rPr lang="it-IT" sz="1800" dirty="0">
+                <a:latin typeface="Consolas" panose="020B0609020204030204" pitchFamily="49" charset="0"/>
+                <a:cs typeface="Consolas" panose="020B0609020204030204" pitchFamily="49" charset="0"/>
+              </a:rPr>
+              <a:t>(x))</a:t>
+            </a:r>
+          </a:p>
+          <a:p>
+            <a:pPr marL="0" indent="0">
+              <a:buNone/>
+            </a:pPr>
+            <a:endParaRPr lang="en-GB" sz="1800" dirty="0">
+              <a:solidFill>
+                <a:schemeClr val="accent6">
+                  <a:lumMod val="75000"/>
+                </a:schemeClr>
+              </a:solidFill>
+              <a:latin typeface="Consolas" panose="020B0609020204030204" pitchFamily="49" charset="0"/>
+              <a:cs typeface="Consolas" panose="020B0609020204030204" pitchFamily="49" charset="0"/>
+            </a:endParaRPr>
+          </a:p>
+          <a:p>
+            <a:pPr marL="0" indent="0">
+              <a:buNone/>
+            </a:pPr>
+            <a:r>
+              <a:rPr lang="en-GB" sz="1800" dirty="0">
+                <a:latin typeface="Consolas" panose="020B0609020204030204" pitchFamily="49" charset="0"/>
+                <a:cs typeface="Consolas" panose="020B0609020204030204" pitchFamily="49" charset="0"/>
+              </a:rPr>
+              <a:t># Output</a:t>
+            </a:r>
+          </a:p>
+          <a:p>
+            <a:pPr marL="0" indent="0">
+              <a:buNone/>
+            </a:pPr>
+            <a:r>
+              <a:rPr lang="it-IT" sz="1800" dirty="0">
+                <a:latin typeface="Consolas" panose="020B0609020204030204" pitchFamily="49" charset="0"/>
+                <a:cs typeface="Consolas" panose="020B0609020204030204" pitchFamily="49" charset="0"/>
+              </a:rPr>
+              <a:t>&lt;</a:t>
+            </a:r>
+            <a:r>
+              <a:rPr lang="it-IT" sz="1800" dirty="0" err="1">
+                <a:latin typeface="Consolas" panose="020B0609020204030204" pitchFamily="49" charset="0"/>
+                <a:cs typeface="Consolas" panose="020B0609020204030204" pitchFamily="49" charset="0"/>
+              </a:rPr>
+              <a:t>class</a:t>
+            </a:r>
+            <a:r>
+              <a:rPr lang="it-IT" sz="1800" dirty="0">
+                <a:latin typeface="Consolas" panose="020B0609020204030204" pitchFamily="49" charset="0"/>
+                <a:cs typeface="Consolas" panose="020B0609020204030204" pitchFamily="49" charset="0"/>
+              </a:rPr>
+              <a:t> '</a:t>
+            </a:r>
+            <a:r>
+              <a:rPr lang="it-IT" sz="1800" dirty="0" err="1">
+                <a:latin typeface="Consolas" panose="020B0609020204030204" pitchFamily="49" charset="0"/>
+                <a:cs typeface="Consolas" panose="020B0609020204030204" pitchFamily="49" charset="0"/>
+              </a:rPr>
+              <a:t>int</a:t>
+            </a:r>
+            <a:r>
+              <a:rPr lang="it-IT" sz="1800" dirty="0">
+                <a:latin typeface="Consolas" panose="020B0609020204030204" pitchFamily="49" charset="0"/>
+                <a:cs typeface="Consolas" panose="020B0609020204030204" pitchFamily="49" charset="0"/>
+              </a:rPr>
+              <a:t>'&gt; </a:t>
+            </a:r>
+          </a:p>
+          <a:p>
+            <a:pPr marL="0" indent="0">
+              <a:buNone/>
+            </a:pPr>
+            <a:r>
+              <a:rPr lang="it-IT" sz="1800" dirty="0">
+                <a:latin typeface="Consolas" panose="020B0609020204030204" pitchFamily="49" charset="0"/>
+                <a:cs typeface="Consolas" panose="020B0609020204030204" pitchFamily="49" charset="0"/>
+              </a:rPr>
+              <a:t>&lt;</a:t>
+            </a:r>
+            <a:r>
+              <a:rPr lang="it-IT" sz="1800" dirty="0" err="1">
+                <a:latin typeface="Consolas" panose="020B0609020204030204" pitchFamily="49" charset="0"/>
+                <a:cs typeface="Consolas" panose="020B0609020204030204" pitchFamily="49" charset="0"/>
+              </a:rPr>
+              <a:t>class</a:t>
+            </a:r>
+            <a:r>
+              <a:rPr lang="it-IT" sz="1800" dirty="0">
+                <a:latin typeface="Consolas" panose="020B0609020204030204" pitchFamily="49" charset="0"/>
+                <a:cs typeface="Consolas" panose="020B0609020204030204" pitchFamily="49" charset="0"/>
+              </a:rPr>
+              <a:t> '</a:t>
+            </a:r>
+            <a:r>
+              <a:rPr lang="it-IT" sz="1800" dirty="0" err="1">
+                <a:latin typeface="Consolas" panose="020B0609020204030204" pitchFamily="49" charset="0"/>
+                <a:cs typeface="Consolas" panose="020B0609020204030204" pitchFamily="49" charset="0"/>
+              </a:rPr>
+              <a:t>str</a:t>
+            </a:r>
+            <a:r>
+              <a:rPr lang="it-IT" sz="1800" dirty="0">
+                <a:latin typeface="Consolas" panose="020B0609020204030204" pitchFamily="49" charset="0"/>
+                <a:cs typeface="Consolas" panose="020B0609020204030204" pitchFamily="49" charset="0"/>
+              </a:rPr>
+              <a:t>'&gt;  </a:t>
+            </a:r>
+          </a:p>
+          <a:p>
+            <a:pPr marL="0" indent="0">
+              <a:buNone/>
+            </a:pPr>
+            <a:r>
+              <a:rPr lang="it-IT" sz="1800" dirty="0">
+                <a:latin typeface="Consolas" panose="020B0609020204030204" pitchFamily="49" charset="0"/>
+                <a:cs typeface="Consolas" panose="020B0609020204030204" pitchFamily="49" charset="0"/>
+              </a:rPr>
+              <a:t>&lt;</a:t>
+            </a:r>
+            <a:r>
+              <a:rPr lang="it-IT" sz="1800" dirty="0" err="1">
+                <a:latin typeface="Consolas" panose="020B0609020204030204" pitchFamily="49" charset="0"/>
+                <a:cs typeface="Consolas" panose="020B0609020204030204" pitchFamily="49" charset="0"/>
+              </a:rPr>
+              <a:t>class</a:t>
+            </a:r>
+            <a:r>
+              <a:rPr lang="it-IT" sz="1800" dirty="0">
+                <a:latin typeface="Consolas" panose="020B0609020204030204" pitchFamily="49" charset="0"/>
+                <a:cs typeface="Consolas" panose="020B0609020204030204" pitchFamily="49" charset="0"/>
+              </a:rPr>
+              <a:t> 'float'&gt; </a:t>
+            </a:r>
+          </a:p>
+          <a:p>
+            <a:pPr marL="0" indent="0">
+              <a:buNone/>
+            </a:pPr>
+            <a:endParaRPr lang="en-GB" sz="1800" dirty="0">
+              <a:solidFill>
+                <a:schemeClr val="accent6">
+                  <a:lumMod val="75000"/>
+                </a:schemeClr>
+              </a:solidFill>
+              <a:latin typeface="Consolas" panose="020B0609020204030204" pitchFamily="49" charset="0"/>
+              <a:cs typeface="Consolas" panose="020B0609020204030204" pitchFamily="49" charset="0"/>
+            </a:endParaRPr>
           </a:p>
         </p:txBody>
       </p:sp>
@@ -13574,7 +13709,7 @@
                 <a:latin typeface="Consolas" panose="020B0609020204030204" pitchFamily="49" charset="0"/>
                 <a:cs typeface="Consolas" panose="020B0609020204030204" pitchFamily="49" charset="0"/>
               </a:rPr>
-              <a:t>, 'i’)</a:t>
+              <a:t>, 'i')</a:t>
             </a:r>
           </a:p>
           <a:p>
@@ -14527,7 +14662,7 @@
                 <a:latin typeface="Consolas" panose="020B0609020204030204" pitchFamily="49" charset="0"/>
                 <a:cs typeface="Consolas" panose="020B0609020204030204" pitchFamily="49" charset="0"/>
               </a:rPr>
-              <a:t>a = True + 4</a:t>
+              <a:t>z = True + 4</a:t>
             </a:r>
           </a:p>
           <a:p>
@@ -14539,7 +14674,7 @@
                 <a:latin typeface="Consolas" panose="020B0609020204030204" pitchFamily="49" charset="0"/>
                 <a:cs typeface="Consolas" panose="020B0609020204030204" pitchFamily="49" charset="0"/>
               </a:rPr>
-              <a:t>b = False + 10</a:t>
+              <a:t>k = False + 10</a:t>
             </a:r>
           </a:p>
           <a:p>
@@ -14560,31 +14695,35 @@
                 <a:latin typeface="Consolas" panose="020B0609020204030204" pitchFamily="49" charset="0"/>
                 <a:cs typeface="Consolas" panose="020B0609020204030204" pitchFamily="49" charset="0"/>
               </a:rPr>
-              <a:t>print("x=", x)</a:t>
-            </a:r>
-          </a:p>
-          <a:p>
-            <a:pPr marL="0" indent="0">
-              <a:buNone/>
-            </a:pPr>
+              <a:t>print(</a:t>
+            </a:r>
+            <a:r>
+              <a:rPr lang="it-IT" sz="1600" dirty="0">
+                <a:latin typeface="Consolas" panose="020B0609020204030204" pitchFamily="49" charset="0"/>
+                <a:cs typeface="Consolas" panose="020B0609020204030204" pitchFamily="49" charset="0"/>
+              </a:rPr>
+              <a:t>'</a:t>
+            </a:r>
             <a:r>
               <a:rPr lang="en-GB" sz="1600" dirty="0">
                 <a:latin typeface="Consolas" panose="020B0609020204030204" pitchFamily="49" charset="0"/>
                 <a:cs typeface="Consolas" panose="020B0609020204030204" pitchFamily="49" charset="0"/>
               </a:rPr>
-              <a:t>print("y=", y)</a:t>
-            </a:r>
-          </a:p>
-          <a:p>
-            <a:pPr marL="0" indent="0">
-              <a:buNone/>
-            </a:pPr>
+              <a:t>x=</a:t>
+            </a:r>
+            <a:r>
+              <a:rPr lang="it-IT" sz="1600" dirty="0">
+                <a:latin typeface="Consolas" panose="020B0609020204030204" pitchFamily="49" charset="0"/>
+                <a:cs typeface="Consolas" panose="020B0609020204030204" pitchFamily="49" charset="0"/>
+              </a:rPr>
+              <a:t>'</a:t>
+            </a:r>
             <a:r>
               <a:rPr lang="en-GB" sz="1600" dirty="0">
                 <a:latin typeface="Consolas" panose="020B0609020204030204" pitchFamily="49" charset="0"/>
                 <a:cs typeface="Consolas" panose="020B0609020204030204" pitchFamily="49" charset="0"/>
               </a:rPr>
-              <a:t>print("a=", a)</a:t>
+              <a:t>, x)</a:t>
             </a:r>
           </a:p>
           <a:p>
@@ -14596,7 +14735,115 @@
                 <a:latin typeface="Consolas" panose="020B0609020204030204" pitchFamily="49" charset="0"/>
                 <a:cs typeface="Consolas" panose="020B0609020204030204" pitchFamily="49" charset="0"/>
               </a:rPr>
-              <a:t>print("b=", b)</a:t>
+              <a:t>print(</a:t>
+            </a:r>
+            <a:r>
+              <a:rPr lang="it-IT" sz="1600" dirty="0">
+                <a:latin typeface="Consolas" panose="020B0609020204030204" pitchFamily="49" charset="0"/>
+                <a:cs typeface="Consolas" panose="020B0609020204030204" pitchFamily="49" charset="0"/>
+              </a:rPr>
+              <a:t>'</a:t>
+            </a:r>
+            <a:r>
+              <a:rPr lang="en-GB" sz="1600" dirty="0">
+                <a:latin typeface="Consolas" panose="020B0609020204030204" pitchFamily="49" charset="0"/>
+                <a:cs typeface="Consolas" panose="020B0609020204030204" pitchFamily="49" charset="0"/>
+              </a:rPr>
+              <a:t>y=</a:t>
+            </a:r>
+            <a:r>
+              <a:rPr lang="it-IT" sz="1600" dirty="0">
+                <a:latin typeface="Consolas" panose="020B0609020204030204" pitchFamily="49" charset="0"/>
+                <a:cs typeface="Consolas" panose="020B0609020204030204" pitchFamily="49" charset="0"/>
+              </a:rPr>
+              <a:t>'</a:t>
+            </a:r>
+            <a:r>
+              <a:rPr lang="en-GB" sz="1600" dirty="0">
+                <a:latin typeface="Consolas" panose="020B0609020204030204" pitchFamily="49" charset="0"/>
+                <a:cs typeface="Consolas" panose="020B0609020204030204" pitchFamily="49" charset="0"/>
+              </a:rPr>
+              <a:t>, y)</a:t>
+            </a:r>
+          </a:p>
+          <a:p>
+            <a:pPr marL="0" indent="0">
+              <a:buNone/>
+            </a:pPr>
+            <a:r>
+              <a:rPr lang="en-GB" sz="1600" dirty="0">
+                <a:latin typeface="Consolas" panose="020B0609020204030204" pitchFamily="49" charset="0"/>
+                <a:cs typeface="Consolas" panose="020B0609020204030204" pitchFamily="49" charset="0"/>
+              </a:rPr>
+              <a:t>print(</a:t>
+            </a:r>
+            <a:r>
+              <a:rPr lang="it-IT" sz="1600" dirty="0">
+                <a:latin typeface="Consolas" panose="020B0609020204030204" pitchFamily="49" charset="0"/>
+                <a:cs typeface="Consolas" panose="020B0609020204030204" pitchFamily="49" charset="0"/>
+              </a:rPr>
+              <a:t>'</a:t>
+            </a:r>
+            <a:r>
+              <a:rPr lang="en-GB" sz="1600" dirty="0">
+                <a:latin typeface="Consolas" panose="020B0609020204030204" pitchFamily="49" charset="0"/>
+                <a:cs typeface="Consolas" panose="020B0609020204030204" pitchFamily="49" charset="0"/>
+              </a:rPr>
+              <a:t>z=</a:t>
+            </a:r>
+            <a:r>
+              <a:rPr lang="it-IT" sz="1600" dirty="0">
+                <a:latin typeface="Consolas" panose="020B0609020204030204" pitchFamily="49" charset="0"/>
+                <a:cs typeface="Consolas" panose="020B0609020204030204" pitchFamily="49" charset="0"/>
+              </a:rPr>
+              <a:t>'</a:t>
+            </a:r>
+            <a:r>
+              <a:rPr lang="en-GB" sz="1600" dirty="0">
+                <a:latin typeface="Consolas" panose="020B0609020204030204" pitchFamily="49" charset="0"/>
+                <a:cs typeface="Consolas" panose="020B0609020204030204" pitchFamily="49" charset="0"/>
+              </a:rPr>
+              <a:t>, z)</a:t>
+            </a:r>
+          </a:p>
+          <a:p>
+            <a:pPr marL="0" indent="0">
+              <a:buNone/>
+            </a:pPr>
+            <a:r>
+              <a:rPr lang="en-GB" sz="1600" dirty="0">
+                <a:latin typeface="Consolas" panose="020B0609020204030204" pitchFamily="49" charset="0"/>
+                <a:cs typeface="Consolas" panose="020B0609020204030204" pitchFamily="49" charset="0"/>
+              </a:rPr>
+              <a:t>print(</a:t>
+            </a:r>
+            <a:r>
+              <a:rPr lang="it-IT" sz="1600" dirty="0">
+                <a:latin typeface="Consolas" panose="020B0609020204030204" pitchFamily="49" charset="0"/>
+                <a:cs typeface="Consolas" panose="020B0609020204030204" pitchFamily="49" charset="0"/>
+              </a:rPr>
+              <a:t>'</a:t>
+            </a:r>
+            <a:r>
+              <a:rPr lang="en-GB" sz="1600" dirty="0">
+                <a:latin typeface="Consolas" panose="020B0609020204030204" pitchFamily="49" charset="0"/>
+                <a:cs typeface="Consolas" panose="020B0609020204030204" pitchFamily="49" charset="0"/>
+              </a:rPr>
+              <a:t>k=</a:t>
+            </a:r>
+            <a:r>
+              <a:rPr lang="it-IT" sz="1600" dirty="0">
+                <a:latin typeface="Consolas" panose="020B0609020204030204" pitchFamily="49" charset="0"/>
+                <a:cs typeface="Consolas" panose="020B0609020204030204" pitchFamily="49" charset="0"/>
+              </a:rPr>
+              <a:t>'</a:t>
+            </a:r>
+            <a:r>
+              <a:rPr lang="en-GB" sz="1600" dirty="0">
+                <a:latin typeface="Consolas" panose="020B0609020204030204" pitchFamily="49" charset="0"/>
+                <a:cs typeface="Consolas" panose="020B0609020204030204" pitchFamily="49" charset="0"/>
+              </a:rPr>
+              <a:t>, k)</a:t>
             </a:r>
           </a:p>
           <a:p>
@@ -14653,7 +14900,7 @@
                 <a:latin typeface="Consolas" panose="020B0609020204030204" pitchFamily="49" charset="0"/>
                 <a:cs typeface="Consolas" panose="020B0609020204030204" pitchFamily="49" charset="0"/>
               </a:rPr>
-              <a:t>a=5 </a:t>
+              <a:t>z=5 </a:t>
             </a:r>
           </a:p>
           <a:p>
@@ -14665,7 +14912,7 @@
                 <a:latin typeface="Consolas" panose="020B0609020204030204" pitchFamily="49" charset="0"/>
                 <a:cs typeface="Consolas" panose="020B0609020204030204" pitchFamily="49" charset="0"/>
               </a:rPr>
-              <a:t>b=10</a:t>
+              <a:t>k=10</a:t>
             </a:r>
             <a:endParaRPr lang="en-GB" sz="1600" dirty="0">
               <a:latin typeface="Consolas" panose="020B0609020204030204" pitchFamily="49" charset="0"/>
@@ -25190,7 +25437,7 @@
           <a:p>
             <a:r>
               <a:rPr lang="en-GB" dirty="0"/>
-              <a:t>Accessing characters in a string</a:t>
+              <a:t>Accessing characters</a:t>
             </a:r>
           </a:p>
         </p:txBody>
@@ -25758,7 +26005,7 @@
           <a:p>
             <a:r>
               <a:rPr lang="en-GB" dirty="0"/>
-              <a:t>Changing a string</a:t>
+              <a:t>Changing Strings</a:t>
             </a:r>
           </a:p>
         </p:txBody>
@@ -27307,22 +27554,22 @@
             </a:pPr>
             <a:r>
               <a:rPr lang="en-US" dirty="0"/>
-              <a:t>Formatting Strings</a:t>
+              <a:t>Combining Strings</a:t>
             </a:r>
           </a:p>
         </p:txBody>
       </p:sp>
       <p:sp>
         <p:nvSpPr>
-          <p:cNvPr id="3" name="Content Placeholder 2">
+          <p:cNvPr id="33794" name="Content Placeholder 2">
             <a:extLst>
               <a:ext uri="{FF2B5EF4-FFF2-40B4-BE49-F238E27FC236}">
-                <a16:creationId xmlns:a16="http://schemas.microsoft.com/office/drawing/2014/main" id="{934767DD-1F18-2D4F-BEB7-9C40EC60D63C}"/>
+                <a16:creationId xmlns:a16="http://schemas.microsoft.com/office/drawing/2014/main" id="{878DFC1C-A751-EE44-8E08-84FD90891175}"/>
               </a:ext>
             </a:extLst>
           </p:cNvPr>
           <p:cNvSpPr>
-            <a:spLocks noGrp="1"/>
+            <a:spLocks noGrp="1" noChangeArrowheads="1"/>
           </p:cNvSpPr>
           <p:nvPr>
             <p:ph idx="1"/>
@@ -27333,294 +27580,486 @@
           <a:bodyPr/>
           <a:lstStyle/>
           <a:p>
-            <a:pPr marL="0" indent="0">
-              <a:buNone/>
-            </a:pPr>
-            <a:r>
-              <a:rPr lang="en-GB" sz="1400" dirty="0">
-                <a:latin typeface="Consolas" panose="020B0609020204030204" pitchFamily="49" charset="0"/>
-                <a:cs typeface="Consolas" panose="020B0609020204030204" pitchFamily="49" charset="0"/>
-              </a:rPr>
-              <a:t># re-arranging the order of arguments</a:t>
-            </a:r>
-          </a:p>
-          <a:p>
-            <a:pPr marL="0" indent="0">
-              <a:buNone/>
-            </a:pPr>
-            <a:r>
-              <a:rPr lang="en-GB" sz="1400" dirty="0">
-                <a:latin typeface="Consolas" panose="020B0609020204030204" pitchFamily="49" charset="0"/>
-                <a:cs typeface="Consolas" panose="020B0609020204030204" pitchFamily="49" charset="0"/>
-              </a:rPr>
-              <a:t>print('{1} {0}'.format('</a:t>
-            </a:r>
-            <a:r>
-              <a:rPr lang="en-GB" sz="1400" dirty="0" err="1">
-                <a:latin typeface="Consolas" panose="020B0609020204030204" pitchFamily="49" charset="0"/>
-                <a:cs typeface="Consolas" panose="020B0609020204030204" pitchFamily="49" charset="0"/>
-              </a:rPr>
-              <a:t>nicola</a:t>
-            </a:r>
-            <a:r>
-              <a:rPr lang="en-GB" sz="1400" dirty="0">
-                <a:latin typeface="Consolas" panose="020B0609020204030204" pitchFamily="49" charset="0"/>
-                <a:cs typeface="Consolas" panose="020B0609020204030204" pitchFamily="49" charset="0"/>
-              </a:rPr>
-              <a:t>', '</a:t>
-            </a:r>
-            <a:r>
-              <a:rPr lang="en-GB" sz="1400" dirty="0" err="1">
-                <a:latin typeface="Consolas" panose="020B0609020204030204" pitchFamily="49" charset="0"/>
-                <a:cs typeface="Consolas" panose="020B0609020204030204" pitchFamily="49" charset="0"/>
-              </a:rPr>
-              <a:t>bicocchi</a:t>
-            </a:r>
-            <a:r>
-              <a:rPr lang="en-GB" sz="1400" dirty="0">
-                <a:latin typeface="Consolas" panose="020B0609020204030204" pitchFamily="49" charset="0"/>
-                <a:cs typeface="Consolas" panose="020B0609020204030204" pitchFamily="49" charset="0"/>
-              </a:rPr>
-              <a:t>’))</a:t>
-            </a:r>
-          </a:p>
-          <a:p>
-            <a:pPr marL="0" indent="0">
-              <a:buNone/>
-            </a:pPr>
-            <a:endParaRPr lang="en-GB" sz="1400" dirty="0">
-              <a:latin typeface="Consolas" panose="020B0609020204030204" pitchFamily="49" charset="0"/>
-              <a:cs typeface="Consolas" panose="020B0609020204030204" pitchFamily="49" charset="0"/>
-            </a:endParaRPr>
-          </a:p>
-          <a:p>
-            <a:pPr marL="0" indent="0">
-              <a:buNone/>
-            </a:pPr>
-            <a:r>
-              <a:rPr lang="en-GB" sz="1400" dirty="0">
-                <a:latin typeface="Consolas" panose="020B0609020204030204" pitchFamily="49" charset="0"/>
-                <a:cs typeface="Consolas" panose="020B0609020204030204" pitchFamily="49" charset="0"/>
-              </a:rPr>
-              <a:t># padding up to 10 spaces</a:t>
-            </a:r>
-            <a:br>
-              <a:rPr lang="en-GB" sz="1400" dirty="0">
-                <a:latin typeface="Consolas" panose="020B0609020204030204" pitchFamily="49" charset="0"/>
-                <a:cs typeface="Consolas" panose="020B0609020204030204" pitchFamily="49" charset="0"/>
-              </a:rPr>
-            </a:br>
-            <a:r>
-              <a:rPr lang="en-GB" sz="1400" dirty="0">
-                <a:latin typeface="Consolas" panose="020B0609020204030204" pitchFamily="49" charset="0"/>
-                <a:cs typeface="Consolas" panose="020B0609020204030204" pitchFamily="49" charset="0"/>
-              </a:rPr>
-              <a:t>print('{:10}* {:10}*'.format('</a:t>
-            </a:r>
-            <a:r>
-              <a:rPr lang="en-GB" sz="1400" dirty="0" err="1">
-                <a:latin typeface="Consolas" panose="020B0609020204030204" pitchFamily="49" charset="0"/>
-                <a:cs typeface="Consolas" panose="020B0609020204030204" pitchFamily="49" charset="0"/>
-              </a:rPr>
-              <a:t>nicola</a:t>
-            </a:r>
-            <a:r>
-              <a:rPr lang="en-GB" sz="1400" dirty="0">
-                <a:latin typeface="Consolas" panose="020B0609020204030204" pitchFamily="49" charset="0"/>
-                <a:cs typeface="Consolas" panose="020B0609020204030204" pitchFamily="49" charset="0"/>
-              </a:rPr>
-              <a:t>', '</a:t>
-            </a:r>
-            <a:r>
-              <a:rPr lang="en-GB" sz="1400" dirty="0" err="1">
-                <a:latin typeface="Consolas" panose="020B0609020204030204" pitchFamily="49" charset="0"/>
-                <a:cs typeface="Consolas" panose="020B0609020204030204" pitchFamily="49" charset="0"/>
-              </a:rPr>
-              <a:t>bicocchi</a:t>
-            </a:r>
-            <a:r>
-              <a:rPr lang="en-GB" sz="1400" dirty="0">
-                <a:latin typeface="Consolas" panose="020B0609020204030204" pitchFamily="49" charset="0"/>
-                <a:cs typeface="Consolas" panose="020B0609020204030204" pitchFamily="49" charset="0"/>
-              </a:rPr>
-              <a:t>’))</a:t>
-            </a:r>
-          </a:p>
-          <a:p>
-            <a:pPr marL="0" indent="0">
-              <a:buNone/>
-            </a:pPr>
-            <a:endParaRPr lang="en-GB" sz="1400" dirty="0">
-              <a:latin typeface="Consolas" panose="020B0609020204030204" pitchFamily="49" charset="0"/>
-              <a:cs typeface="Consolas" panose="020B0609020204030204" pitchFamily="49" charset="0"/>
-            </a:endParaRPr>
-          </a:p>
-          <a:p>
-            <a:pPr marL="0" indent="0">
-              <a:buNone/>
-            </a:pPr>
-            <a:r>
-              <a:rPr lang="en-GB" sz="1400" dirty="0">
-                <a:latin typeface="Consolas" panose="020B0609020204030204" pitchFamily="49" charset="0"/>
-                <a:cs typeface="Consolas" panose="020B0609020204030204" pitchFamily="49" charset="0"/>
-              </a:rPr>
-              <a:t># padding up to 6 spaces, 2 digits precision</a:t>
-            </a:r>
-            <a:br>
-              <a:rPr lang="en-GB" sz="1400" dirty="0">
-                <a:latin typeface="Consolas" panose="020B0609020204030204" pitchFamily="49" charset="0"/>
-                <a:cs typeface="Consolas" panose="020B0609020204030204" pitchFamily="49" charset="0"/>
-              </a:rPr>
-            </a:br>
-            <a:r>
-              <a:rPr lang="en-GB" sz="1400" dirty="0">
-                <a:latin typeface="Consolas" panose="020B0609020204030204" pitchFamily="49" charset="0"/>
-                <a:cs typeface="Consolas" panose="020B0609020204030204" pitchFamily="49" charset="0"/>
-              </a:rPr>
-              <a:t>print('{:06.4f} {:06.4f}'.format(1 / 3, 2 / 3))</a:t>
-            </a:r>
-          </a:p>
-          <a:p>
-            <a:pPr marL="0" indent="0">
-              <a:buNone/>
-            </a:pPr>
-            <a:endParaRPr lang="en-GB" sz="1400" dirty="0">
-              <a:latin typeface="Consolas" panose="020B0609020204030204" pitchFamily="49" charset="0"/>
-              <a:cs typeface="Consolas" panose="020B0609020204030204" pitchFamily="49" charset="0"/>
-            </a:endParaRPr>
-          </a:p>
-          <a:p>
-            <a:pPr marL="0" indent="0">
-              <a:buNone/>
-            </a:pPr>
-            <a:r>
-              <a:rPr lang="en-GB" sz="1400" dirty="0">
-                <a:latin typeface="Consolas" panose="020B0609020204030204" pitchFamily="49" charset="0"/>
-                <a:cs typeface="Consolas" panose="020B0609020204030204" pitchFamily="49" charset="0"/>
-              </a:rPr>
-              <a:t># padding up to 4 spaces, 1 digit precision</a:t>
-            </a:r>
-            <a:br>
-              <a:rPr lang="en-GB" sz="1400" dirty="0">
-                <a:latin typeface="Consolas" panose="020B0609020204030204" pitchFamily="49" charset="0"/>
-                <a:cs typeface="Consolas" panose="020B0609020204030204" pitchFamily="49" charset="0"/>
-              </a:rPr>
-            </a:br>
-            <a:r>
-              <a:rPr lang="en-GB" sz="1400" dirty="0">
-                <a:latin typeface="Consolas" panose="020B0609020204030204" pitchFamily="49" charset="0"/>
-                <a:cs typeface="Consolas" panose="020B0609020204030204" pitchFamily="49" charset="0"/>
-              </a:rPr>
-              <a:t>print(‘{:06.1f} {:06.1f}'.format(1 / 3, 2 / 3))</a:t>
-            </a:r>
-          </a:p>
-          <a:p>
-            <a:pPr marL="0" indent="0">
-              <a:buNone/>
-            </a:pPr>
-            <a:endParaRPr lang="en-GB" sz="1400" dirty="0">
-              <a:latin typeface="Consolas" panose="020B0609020204030204" pitchFamily="49" charset="0"/>
-              <a:cs typeface="Consolas" panose="020B0609020204030204" pitchFamily="49" charset="0"/>
-            </a:endParaRPr>
-          </a:p>
-          <a:p>
-            <a:pPr marL="0" indent="0">
-              <a:buNone/>
-            </a:pPr>
-            <a:r>
-              <a:rPr lang="en-GB" sz="1400" dirty="0">
-                <a:latin typeface="Consolas" panose="020B0609020204030204" pitchFamily="49" charset="0"/>
-                <a:cs typeface="Consolas" panose="020B0609020204030204" pitchFamily="49" charset="0"/>
-              </a:rPr>
-              <a:t># Output</a:t>
-            </a:r>
-          </a:p>
-          <a:p>
-            <a:pPr marL="0" indent="0">
-              <a:buNone/>
-            </a:pPr>
-            <a:r>
-              <a:rPr lang="en-GB" sz="1400" dirty="0" err="1">
-                <a:latin typeface="Consolas" panose="020B0609020204030204" pitchFamily="49" charset="0"/>
-                <a:cs typeface="Consolas" panose="020B0609020204030204" pitchFamily="49" charset="0"/>
-              </a:rPr>
-              <a:t>bicocchi</a:t>
-            </a:r>
-            <a:r>
-              <a:rPr lang="en-GB" sz="1400" dirty="0">
-                <a:latin typeface="Consolas" panose="020B0609020204030204" pitchFamily="49" charset="0"/>
-                <a:cs typeface="Consolas" panose="020B0609020204030204" pitchFamily="49" charset="0"/>
-              </a:rPr>
-              <a:t> </a:t>
-            </a:r>
-            <a:r>
-              <a:rPr lang="en-GB" sz="1400" dirty="0" err="1">
-                <a:latin typeface="Consolas" panose="020B0609020204030204" pitchFamily="49" charset="0"/>
-                <a:cs typeface="Consolas" panose="020B0609020204030204" pitchFamily="49" charset="0"/>
-              </a:rPr>
-              <a:t>nicola</a:t>
-            </a:r>
-            <a:endParaRPr lang="en-GB" sz="1400" dirty="0">
-              <a:latin typeface="Consolas" panose="020B0609020204030204" pitchFamily="49" charset="0"/>
-              <a:cs typeface="Consolas" panose="020B0609020204030204" pitchFamily="49" charset="0"/>
-            </a:endParaRPr>
-          </a:p>
-          <a:p>
-            <a:pPr marL="0" indent="0">
-              <a:buNone/>
-            </a:pPr>
-            <a:r>
-              <a:rPr lang="en-GB" sz="1400" dirty="0" err="1">
-                <a:latin typeface="Consolas" panose="020B0609020204030204" pitchFamily="49" charset="0"/>
-                <a:cs typeface="Consolas" panose="020B0609020204030204" pitchFamily="49" charset="0"/>
-              </a:rPr>
-              <a:t>nicola</a:t>
-            </a:r>
-            <a:r>
-              <a:rPr lang="en-GB" sz="1400" dirty="0">
-                <a:latin typeface="Consolas" panose="020B0609020204030204" pitchFamily="49" charset="0"/>
-                <a:cs typeface="Consolas" panose="020B0609020204030204" pitchFamily="49" charset="0"/>
-              </a:rPr>
-              <a:t>    * </a:t>
-            </a:r>
-            <a:r>
-              <a:rPr lang="en-GB" sz="1400" dirty="0" err="1">
-                <a:latin typeface="Consolas" panose="020B0609020204030204" pitchFamily="49" charset="0"/>
-                <a:cs typeface="Consolas" panose="020B0609020204030204" pitchFamily="49" charset="0"/>
-              </a:rPr>
-              <a:t>bicocchi</a:t>
-            </a:r>
-            <a:r>
-              <a:rPr lang="en-GB" sz="1400" dirty="0">
-                <a:latin typeface="Consolas" panose="020B0609020204030204" pitchFamily="49" charset="0"/>
-                <a:cs typeface="Consolas" panose="020B0609020204030204" pitchFamily="49" charset="0"/>
-              </a:rPr>
-              <a:t>  *</a:t>
-            </a:r>
-          </a:p>
-          <a:p>
-            <a:pPr marL="0" indent="0">
-              <a:buNone/>
-            </a:pPr>
-            <a:r>
-              <a:rPr lang="en-GB" sz="1400" dirty="0">
-                <a:latin typeface="Consolas" panose="020B0609020204030204" pitchFamily="49" charset="0"/>
-                <a:cs typeface="Consolas" panose="020B0609020204030204" pitchFamily="49" charset="0"/>
-              </a:rPr>
-              <a:t>0.3333 0.6667</a:t>
-            </a:r>
-          </a:p>
-          <a:p>
-            <a:pPr marL="0" indent="0">
-              <a:buNone/>
-            </a:pPr>
-            <a:r>
-              <a:rPr lang="en-GB" sz="1400" dirty="0">
-                <a:latin typeface="Consolas" panose="020B0609020204030204" pitchFamily="49" charset="0"/>
-                <a:cs typeface="Consolas" panose="020B0609020204030204" pitchFamily="49" charset="0"/>
-              </a:rPr>
-              <a:t>0000.3 0000.7</a:t>
-            </a:r>
+            <a:r>
+              <a:rPr lang="it-IT" sz="2400" dirty="0" err="1">
+                <a:solidFill>
+                  <a:schemeClr val="accent6">
+                    <a:lumMod val="75000"/>
+                  </a:schemeClr>
+                </a:solidFill>
+              </a:rPr>
+              <a:t>Explicit</a:t>
+            </a:r>
+            <a:r>
+              <a:rPr lang="it-IT" sz="2400" dirty="0">
+                <a:solidFill>
+                  <a:schemeClr val="accent6">
+                    <a:lumMod val="75000"/>
+                  </a:schemeClr>
+                </a:solidFill>
+              </a:rPr>
+              <a:t> casting </a:t>
+            </a:r>
+            <a:r>
+              <a:rPr lang="it-IT" sz="2400" dirty="0" err="1">
+                <a:solidFill>
+                  <a:schemeClr val="accent6">
+                    <a:lumMod val="75000"/>
+                  </a:schemeClr>
+                </a:solidFill>
+              </a:rPr>
+              <a:t>is</a:t>
+            </a:r>
+            <a:r>
+              <a:rPr lang="it-IT" sz="2400" dirty="0">
+                <a:solidFill>
+                  <a:schemeClr val="accent6">
+                    <a:lumMod val="75000"/>
+                  </a:schemeClr>
+                </a:solidFill>
+              </a:rPr>
+              <a:t> </a:t>
+            </a:r>
+            <a:r>
+              <a:rPr lang="it-IT" sz="2400" dirty="0" err="1">
+                <a:solidFill>
+                  <a:schemeClr val="accent6">
+                    <a:lumMod val="75000"/>
+                  </a:schemeClr>
+                </a:solidFill>
+              </a:rPr>
+              <a:t>required</a:t>
+            </a:r>
+            <a:r>
+              <a:rPr lang="it-IT" sz="2400" dirty="0">
+                <a:solidFill>
+                  <a:schemeClr val="accent6">
+                    <a:lumMod val="75000"/>
+                  </a:schemeClr>
+                </a:solidFill>
+              </a:rPr>
+              <a:t> </a:t>
+            </a:r>
+            <a:r>
+              <a:rPr lang="it-IT" sz="2400" dirty="0" err="1">
+                <a:solidFill>
+                  <a:schemeClr val="accent6">
+                    <a:lumMod val="75000"/>
+                  </a:schemeClr>
+                </a:solidFill>
+              </a:rPr>
+              <a:t>when</a:t>
+            </a:r>
+            <a:r>
+              <a:rPr lang="it-IT" sz="2400" dirty="0">
+                <a:solidFill>
+                  <a:schemeClr val="accent6">
+                    <a:lumMod val="75000"/>
+                  </a:schemeClr>
+                </a:solidFill>
+              </a:rPr>
+              <a:t> mixing </a:t>
+            </a:r>
+            <a:r>
+              <a:rPr lang="it-IT" sz="2400" dirty="0" err="1">
+                <a:solidFill>
+                  <a:schemeClr val="accent6">
+                    <a:lumMod val="75000"/>
+                  </a:schemeClr>
+                </a:solidFill>
+              </a:rPr>
+              <a:t>numeric</a:t>
+            </a:r>
+            <a:r>
+              <a:rPr lang="it-IT" sz="2400" dirty="0">
+                <a:solidFill>
+                  <a:schemeClr val="accent6">
+                    <a:lumMod val="75000"/>
+                  </a:schemeClr>
+                </a:solidFill>
+              </a:rPr>
+              <a:t> </a:t>
+            </a:r>
+            <a:r>
+              <a:rPr lang="it-IT" sz="2400" dirty="0" err="1">
+                <a:solidFill>
+                  <a:schemeClr val="accent6">
+                    <a:lumMod val="75000"/>
+                  </a:schemeClr>
+                </a:solidFill>
+              </a:rPr>
+              <a:t>literals</a:t>
+            </a:r>
+            <a:r>
+              <a:rPr lang="it-IT" sz="2400" dirty="0">
+                <a:solidFill>
+                  <a:schemeClr val="accent6">
+                    <a:lumMod val="75000"/>
+                  </a:schemeClr>
+                </a:solidFill>
+              </a:rPr>
+              <a:t> and </a:t>
+            </a:r>
+            <a:r>
+              <a:rPr lang="it-IT" sz="2400" dirty="0" err="1">
+                <a:solidFill>
+                  <a:schemeClr val="accent6">
+                    <a:lumMod val="75000"/>
+                  </a:schemeClr>
+                </a:solidFill>
+              </a:rPr>
+              <a:t>string</a:t>
+            </a:r>
+            <a:r>
+              <a:rPr lang="it-IT" sz="2400" dirty="0">
+                <a:solidFill>
+                  <a:schemeClr val="accent6">
+                    <a:lumMod val="75000"/>
+                  </a:schemeClr>
+                </a:solidFill>
+              </a:rPr>
+              <a:t> </a:t>
+            </a:r>
+            <a:r>
+              <a:rPr lang="it-IT" sz="2400" dirty="0" err="1">
+                <a:solidFill>
+                  <a:schemeClr val="accent6">
+                    <a:lumMod val="75000"/>
+                  </a:schemeClr>
+                </a:solidFill>
+              </a:rPr>
+              <a:t>literals</a:t>
+            </a:r>
+            <a:r>
+              <a:rPr lang="it-IT" sz="2400" dirty="0">
+                <a:solidFill>
+                  <a:schemeClr val="accent6">
+                    <a:lumMod val="75000"/>
+                  </a:schemeClr>
+                </a:solidFill>
+              </a:rPr>
+              <a:t>.</a:t>
+            </a:r>
+          </a:p>
+          <a:p>
+            <a:r>
+              <a:rPr lang="it-IT" sz="2400" dirty="0" err="1"/>
+              <a:t>Alternatively</a:t>
+            </a:r>
+            <a:r>
+              <a:rPr lang="it-IT" sz="2400" dirty="0"/>
+              <a:t>, use </a:t>
+            </a:r>
+            <a:r>
+              <a:rPr lang="it-IT" sz="2400" dirty="0" err="1"/>
+              <a:t>string</a:t>
+            </a:r>
+            <a:r>
+              <a:rPr lang="it-IT" sz="2400" dirty="0"/>
+              <a:t> </a:t>
+            </a:r>
+            <a:r>
+              <a:rPr lang="it-IT" sz="2400" dirty="0" err="1"/>
+              <a:t>formatting</a:t>
+            </a:r>
+            <a:r>
+              <a:rPr lang="it-IT" sz="2400" dirty="0"/>
+              <a:t> </a:t>
+            </a:r>
+            <a:r>
+              <a:rPr lang="it-IT" sz="2400" dirty="0" err="1"/>
+              <a:t>techniques</a:t>
+            </a:r>
+            <a:r>
+              <a:rPr lang="it-IT" sz="2400" dirty="0"/>
+              <a:t>.</a:t>
+            </a:r>
+          </a:p>
+          <a:p>
+            <a:pPr marL="0" indent="0">
+              <a:buNone/>
+            </a:pPr>
+            <a:endParaRPr lang="it-IT" sz="2400" dirty="0"/>
+          </a:p>
+          <a:p>
+            <a:pPr marL="0" indent="0">
+              <a:buNone/>
+            </a:pPr>
+            <a:r>
+              <a:rPr lang="it-IT" sz="2400" dirty="0" err="1">
+                <a:latin typeface="Consolas" panose="020B0609020204030204" pitchFamily="49" charset="0"/>
+                <a:cs typeface="Consolas" panose="020B0609020204030204" pitchFamily="49" charset="0"/>
+              </a:rPr>
+              <a:t>age</a:t>
+            </a:r>
+            <a:r>
+              <a:rPr lang="it-IT" sz="2400" dirty="0">
+                <a:latin typeface="Consolas" panose="020B0609020204030204" pitchFamily="49" charset="0"/>
+                <a:cs typeface="Consolas" panose="020B0609020204030204" pitchFamily="49" charset="0"/>
+              </a:rPr>
+              <a:t> = 23 </a:t>
+            </a:r>
+          </a:p>
+          <a:p>
+            <a:pPr marL="0" indent="0">
+              <a:buNone/>
+            </a:pPr>
+            <a:r>
+              <a:rPr lang="it-IT" sz="2400" dirty="0">
+                <a:solidFill>
+                  <a:srgbClr val="FF0000"/>
+                </a:solidFill>
+                <a:latin typeface="Consolas" panose="020B0609020204030204" pitchFamily="49" charset="0"/>
+                <a:cs typeface="Consolas" panose="020B0609020204030204" pitchFamily="49" charset="0"/>
+              </a:rPr>
+              <a:t>msg = </a:t>
+            </a:r>
+            <a:r>
+              <a:rPr lang="it-IT" sz="2400" dirty="0">
+                <a:latin typeface="Consolas" panose="020B0609020204030204" pitchFamily="49" charset="0"/>
+                <a:cs typeface="Consolas" panose="020B0609020204030204" pitchFamily="49" charset="0"/>
+              </a:rPr>
+              <a:t>'</a:t>
+            </a:r>
+            <a:r>
+              <a:rPr lang="it-IT" sz="2400" dirty="0">
+                <a:solidFill>
+                  <a:srgbClr val="FF0000"/>
+                </a:solidFill>
+                <a:latin typeface="Consolas" panose="020B0609020204030204" pitchFamily="49" charset="0"/>
+                <a:cs typeface="Consolas" panose="020B0609020204030204" pitchFamily="49" charset="0"/>
+              </a:rPr>
+              <a:t>Happy </a:t>
+            </a:r>
+            <a:r>
+              <a:rPr lang="it-IT" sz="2400" dirty="0">
+                <a:latin typeface="Consolas" panose="020B0609020204030204" pitchFamily="49" charset="0"/>
+                <a:cs typeface="Consolas" panose="020B0609020204030204" pitchFamily="49" charset="0"/>
+              </a:rPr>
+              <a:t>'</a:t>
+            </a:r>
+            <a:r>
+              <a:rPr lang="it-IT" sz="2400" dirty="0">
+                <a:solidFill>
+                  <a:srgbClr val="FF0000"/>
+                </a:solidFill>
+                <a:latin typeface="Consolas" panose="020B0609020204030204" pitchFamily="49" charset="0"/>
+                <a:cs typeface="Consolas" panose="020B0609020204030204" pitchFamily="49" charset="0"/>
+              </a:rPr>
+              <a:t> + </a:t>
+            </a:r>
+            <a:r>
+              <a:rPr lang="it-IT" sz="2400" dirty="0" err="1">
+                <a:solidFill>
+                  <a:srgbClr val="FF0000"/>
+                </a:solidFill>
+                <a:latin typeface="Consolas" panose="020B0609020204030204" pitchFamily="49" charset="0"/>
+                <a:cs typeface="Consolas" panose="020B0609020204030204" pitchFamily="49" charset="0"/>
+              </a:rPr>
+              <a:t>age</a:t>
+            </a:r>
+            <a:r>
+              <a:rPr lang="it-IT" sz="2400" dirty="0">
+                <a:solidFill>
+                  <a:srgbClr val="FF0000"/>
+                </a:solidFill>
+                <a:latin typeface="Consolas" panose="020B0609020204030204" pitchFamily="49" charset="0"/>
+                <a:cs typeface="Consolas" panose="020B0609020204030204" pitchFamily="49" charset="0"/>
+              </a:rPr>
+              <a:t> + </a:t>
+            </a:r>
+            <a:r>
+              <a:rPr lang="it-IT" sz="2400" dirty="0">
+                <a:latin typeface="Consolas" panose="020B0609020204030204" pitchFamily="49" charset="0"/>
+                <a:cs typeface="Consolas" panose="020B0609020204030204" pitchFamily="49" charset="0"/>
+              </a:rPr>
+              <a:t>'</a:t>
+            </a:r>
+            <a:r>
+              <a:rPr lang="it-IT" sz="2400" dirty="0" err="1">
+                <a:solidFill>
+                  <a:srgbClr val="FF0000"/>
+                </a:solidFill>
+                <a:latin typeface="Consolas" panose="020B0609020204030204" pitchFamily="49" charset="0"/>
+                <a:cs typeface="Consolas" panose="020B0609020204030204" pitchFamily="49" charset="0"/>
+              </a:rPr>
+              <a:t>rd</a:t>
+            </a:r>
+            <a:r>
+              <a:rPr lang="it-IT" sz="2400" dirty="0">
+                <a:solidFill>
+                  <a:srgbClr val="FF0000"/>
+                </a:solidFill>
+                <a:latin typeface="Consolas" panose="020B0609020204030204" pitchFamily="49" charset="0"/>
+                <a:cs typeface="Consolas" panose="020B0609020204030204" pitchFamily="49" charset="0"/>
+              </a:rPr>
+              <a:t> </a:t>
+            </a:r>
+            <a:r>
+              <a:rPr lang="it-IT" sz="2400" dirty="0" err="1">
+                <a:solidFill>
+                  <a:srgbClr val="FF0000"/>
+                </a:solidFill>
+                <a:latin typeface="Consolas" panose="020B0609020204030204" pitchFamily="49" charset="0"/>
+                <a:cs typeface="Consolas" panose="020B0609020204030204" pitchFamily="49" charset="0"/>
+              </a:rPr>
+              <a:t>Birthday</a:t>
+            </a:r>
+            <a:r>
+              <a:rPr lang="it-IT" sz="2400" dirty="0">
+                <a:solidFill>
+                  <a:srgbClr val="FF0000"/>
+                </a:solidFill>
+                <a:latin typeface="Consolas" panose="020B0609020204030204" pitchFamily="49" charset="0"/>
+                <a:cs typeface="Consolas" panose="020B0609020204030204" pitchFamily="49" charset="0"/>
+              </a:rPr>
+              <a:t>!</a:t>
+            </a:r>
+            <a:r>
+              <a:rPr lang="it-IT" sz="2400" dirty="0">
+                <a:latin typeface="Consolas" panose="020B0609020204030204" pitchFamily="49" charset="0"/>
+                <a:cs typeface="Consolas" panose="020B0609020204030204" pitchFamily="49" charset="0"/>
+              </a:rPr>
+              <a:t>'</a:t>
+            </a:r>
+            <a:r>
+              <a:rPr lang="it-IT" sz="2400" dirty="0">
+                <a:solidFill>
+                  <a:srgbClr val="FF0000"/>
+                </a:solidFill>
+                <a:latin typeface="Consolas" panose="020B0609020204030204" pitchFamily="49" charset="0"/>
+                <a:cs typeface="Consolas" panose="020B0609020204030204" pitchFamily="49" charset="0"/>
+              </a:rPr>
+              <a:t> </a:t>
+            </a:r>
+          </a:p>
+          <a:p>
+            <a:pPr marL="0" indent="0">
+              <a:buNone/>
+            </a:pPr>
+            <a:r>
+              <a:rPr lang="it-IT" sz="2400" dirty="0">
+                <a:latin typeface="Consolas" panose="020B0609020204030204" pitchFamily="49" charset="0"/>
+                <a:cs typeface="Consolas" panose="020B0609020204030204" pitchFamily="49" charset="0"/>
+              </a:rPr>
+              <a:t>msg = 'Happy ' + </a:t>
+            </a:r>
+            <a:r>
+              <a:rPr lang="it-IT" sz="2400" dirty="0" err="1">
+                <a:latin typeface="Consolas" panose="020B0609020204030204" pitchFamily="49" charset="0"/>
+                <a:cs typeface="Consolas" panose="020B0609020204030204" pitchFamily="49" charset="0"/>
+              </a:rPr>
+              <a:t>str</a:t>
+            </a:r>
+            <a:r>
+              <a:rPr lang="it-IT" sz="2400" dirty="0">
+                <a:latin typeface="Consolas" panose="020B0609020204030204" pitchFamily="49" charset="0"/>
+                <a:cs typeface="Consolas" panose="020B0609020204030204" pitchFamily="49" charset="0"/>
+              </a:rPr>
+              <a:t>(</a:t>
+            </a:r>
+            <a:r>
+              <a:rPr lang="it-IT" sz="2400" dirty="0" err="1">
+                <a:latin typeface="Consolas" panose="020B0609020204030204" pitchFamily="49" charset="0"/>
+                <a:cs typeface="Consolas" panose="020B0609020204030204" pitchFamily="49" charset="0"/>
+              </a:rPr>
+              <a:t>age</a:t>
+            </a:r>
+            <a:r>
+              <a:rPr lang="it-IT" sz="2400" dirty="0">
+                <a:latin typeface="Consolas" panose="020B0609020204030204" pitchFamily="49" charset="0"/>
+                <a:cs typeface="Consolas" panose="020B0609020204030204" pitchFamily="49" charset="0"/>
+              </a:rPr>
+              <a:t>) + '</a:t>
+            </a:r>
+            <a:r>
+              <a:rPr lang="it-IT" sz="2400" dirty="0" err="1">
+                <a:latin typeface="Consolas" panose="020B0609020204030204" pitchFamily="49" charset="0"/>
+                <a:cs typeface="Consolas" panose="020B0609020204030204" pitchFamily="49" charset="0"/>
+              </a:rPr>
+              <a:t>rd</a:t>
+            </a:r>
+            <a:r>
+              <a:rPr lang="it-IT" sz="2400" dirty="0">
+                <a:latin typeface="Consolas" panose="020B0609020204030204" pitchFamily="49" charset="0"/>
+                <a:cs typeface="Consolas" panose="020B0609020204030204" pitchFamily="49" charset="0"/>
+              </a:rPr>
+              <a:t> </a:t>
+            </a:r>
+            <a:r>
+              <a:rPr lang="it-IT" sz="2400" dirty="0" err="1">
+                <a:latin typeface="Consolas" panose="020B0609020204030204" pitchFamily="49" charset="0"/>
+                <a:cs typeface="Consolas" panose="020B0609020204030204" pitchFamily="49" charset="0"/>
+              </a:rPr>
+              <a:t>Birthday</a:t>
+            </a:r>
+            <a:r>
+              <a:rPr lang="it-IT" sz="2400" dirty="0">
+                <a:latin typeface="Consolas" panose="020B0609020204030204" pitchFamily="49" charset="0"/>
+                <a:cs typeface="Consolas" panose="020B0609020204030204" pitchFamily="49" charset="0"/>
+              </a:rPr>
+              <a:t>!'</a:t>
+            </a:r>
+          </a:p>
+          <a:p>
+            <a:pPr marL="0" indent="0">
+              <a:buNone/>
+            </a:pPr>
+            <a:r>
+              <a:rPr lang="it-IT" sz="2400" dirty="0">
+                <a:latin typeface="Consolas" panose="020B0609020204030204" pitchFamily="49" charset="0"/>
+                <a:cs typeface="Consolas" panose="020B0609020204030204" pitchFamily="49" charset="0"/>
+              </a:rPr>
+              <a:t>msg = 'Happy {}</a:t>
+            </a:r>
+            <a:r>
+              <a:rPr lang="it-IT" sz="2400" dirty="0" err="1">
+                <a:latin typeface="Consolas" panose="020B0609020204030204" pitchFamily="49" charset="0"/>
+                <a:cs typeface="Consolas" panose="020B0609020204030204" pitchFamily="49" charset="0"/>
+              </a:rPr>
+              <a:t>rd</a:t>
+            </a:r>
+            <a:r>
+              <a:rPr lang="it-IT" sz="2400" dirty="0">
+                <a:latin typeface="Consolas" panose="020B0609020204030204" pitchFamily="49" charset="0"/>
+                <a:cs typeface="Consolas" panose="020B0609020204030204" pitchFamily="49" charset="0"/>
+              </a:rPr>
+              <a:t> </a:t>
+            </a:r>
+            <a:r>
+              <a:rPr lang="it-IT" sz="2400" dirty="0" err="1">
+                <a:latin typeface="Consolas" panose="020B0609020204030204" pitchFamily="49" charset="0"/>
+                <a:cs typeface="Consolas" panose="020B0609020204030204" pitchFamily="49" charset="0"/>
+              </a:rPr>
+              <a:t>Birthday</a:t>
+            </a:r>
+            <a:r>
+              <a:rPr lang="it-IT" sz="2400" dirty="0">
+                <a:latin typeface="Consolas" panose="020B0609020204030204" pitchFamily="49" charset="0"/>
+                <a:cs typeface="Consolas" panose="020B0609020204030204" pitchFamily="49" charset="0"/>
+              </a:rPr>
+              <a:t>'.format(</a:t>
+            </a:r>
+            <a:r>
+              <a:rPr lang="it-IT" sz="2400" dirty="0" err="1">
+                <a:latin typeface="Consolas" panose="020B0609020204030204" pitchFamily="49" charset="0"/>
+                <a:cs typeface="Consolas" panose="020B0609020204030204" pitchFamily="49" charset="0"/>
+              </a:rPr>
+              <a:t>age</a:t>
+            </a:r>
+            <a:r>
+              <a:rPr lang="it-IT" sz="2400" dirty="0">
+                <a:latin typeface="Consolas" panose="020B0609020204030204" pitchFamily="49" charset="0"/>
+                <a:cs typeface="Consolas" panose="020B0609020204030204" pitchFamily="49" charset="0"/>
+              </a:rPr>
+              <a:t>) </a:t>
+            </a:r>
+          </a:p>
+          <a:p>
+            <a:pPr marL="0" indent="0">
+              <a:buNone/>
+            </a:pPr>
+            <a:endParaRPr lang="it-IT" sz="2400" dirty="0"/>
           </a:p>
         </p:txBody>
       </p:sp>
@@ -27794,7 +28233,7 @@
     </p:spTree>
     <p:extLst>
       <p:ext uri="{BB962C8B-B14F-4D97-AF65-F5344CB8AC3E}">
-        <p14:creationId xmlns:p14="http://schemas.microsoft.com/office/powerpoint/2010/main" val="1937730292"/>
+        <p14:creationId xmlns:p14="http://schemas.microsoft.com/office/powerpoint/2010/main" val="3146206764"/>
       </p:ext>
     </p:extLst>
   </p:cSld>
@@ -27823,15 +28262,15 @@
       </p:grpSpPr>
       <p:sp>
         <p:nvSpPr>
-          <p:cNvPr id="31745" name="Title 1">
+          <p:cNvPr id="2" name="Title 1">
             <a:extLst>
               <a:ext uri="{FF2B5EF4-FFF2-40B4-BE49-F238E27FC236}">
-                <a16:creationId xmlns:a16="http://schemas.microsoft.com/office/drawing/2014/main" id="{C0B4F50D-E6AB-5E45-A0ED-EAAED825F80C}"/>
+                <a16:creationId xmlns:a16="http://schemas.microsoft.com/office/drawing/2014/main" id="{675ED45D-E954-DB40-B0BE-83347B0D05B4}"/>
               </a:ext>
             </a:extLst>
           </p:cNvPr>
           <p:cNvSpPr>
-            <a:spLocks noGrp="1" noChangeArrowheads="1"/>
+            <a:spLocks noGrp="1"/>
           </p:cNvSpPr>
           <p:nvPr>
             <p:ph type="title"/>
@@ -27839,12 +28278,20 @@
         </p:nvSpPr>
         <p:spPr/>
         <p:txBody>
-          <a:bodyPr/>
+          <a:bodyPr rtlCol="0">
+            <a:normAutofit/>
+          </a:bodyPr>
           <a:lstStyle/>
           <a:p>
-            <a:r>
-              <a:rPr lang="en-US" altLang="it-IT"/>
-              <a:t>String Case</a:t>
+            <a:pPr fontAlgn="auto">
+              <a:spcAft>
+                <a:spcPts val="0"/>
+              </a:spcAft>
+              <a:defRPr/>
+            </a:pPr>
+            <a:r>
+              <a:rPr lang="en-US" dirty="0"/>
+              <a:t>Formatting Strings</a:t>
             </a:r>
           </a:p>
         </p:txBody>
@@ -27854,7 +28301,7 @@
           <p:cNvPr id="3" name="Content Placeholder 2">
             <a:extLst>
               <a:ext uri="{FF2B5EF4-FFF2-40B4-BE49-F238E27FC236}">
-                <a16:creationId xmlns:a16="http://schemas.microsoft.com/office/drawing/2014/main" id="{37630F96-7F74-AB4E-9004-60C77311968B}"/>
+                <a16:creationId xmlns:a16="http://schemas.microsoft.com/office/drawing/2014/main" id="{934767DD-1F18-2D4F-BEB7-9C40EC60D63C}"/>
               </a:ext>
             </a:extLst>
           </p:cNvPr>
@@ -27862,425 +28309,7 @@
             <a:spLocks noGrp="1"/>
           </p:cNvSpPr>
           <p:nvPr>
-            <p:ph sz="half" idx="1"/>
-          </p:nvPr>
-        </p:nvSpPr>
-        <p:spPr/>
-        <p:txBody>
-          <a:bodyPr rtlCol="0">
-            <a:noAutofit/>
-          </a:bodyPr>
-          <a:lstStyle/>
-          <a:p>
-            <a:pPr marL="0" indent="0" fontAlgn="auto">
-              <a:spcAft>
-                <a:spcPts val="0"/>
-              </a:spcAft>
-              <a:buFont typeface="Arial"/>
-              <a:buNone/>
-              <a:defRPr/>
-            </a:pPr>
-            <a:r>
-              <a:rPr lang="it-IT" sz="2000" dirty="0" err="1">
-                <a:latin typeface="Consolas" panose="020B0609020204030204" pitchFamily="49" charset="0"/>
-                <a:cs typeface="Consolas" panose="020B0609020204030204" pitchFamily="49" charset="0"/>
-              </a:rPr>
-              <a:t>name</a:t>
-            </a:r>
-            <a:r>
-              <a:rPr lang="it-IT" sz="2000" dirty="0">
-                <a:latin typeface="Consolas" panose="020B0609020204030204" pitchFamily="49" charset="0"/>
-                <a:cs typeface="Consolas" panose="020B0609020204030204" pitchFamily="49" charset="0"/>
-              </a:rPr>
-              <a:t> = 'Ada </a:t>
-            </a:r>
-            <a:r>
-              <a:rPr lang="it-IT" sz="2000" dirty="0" err="1">
-                <a:latin typeface="Consolas" panose="020B0609020204030204" pitchFamily="49" charset="0"/>
-                <a:cs typeface="Consolas" panose="020B0609020204030204" pitchFamily="49" charset="0"/>
-              </a:rPr>
-              <a:t>Lovelace</a:t>
-            </a:r>
-            <a:r>
-              <a:rPr lang="it-IT" sz="2000" dirty="0">
-                <a:latin typeface="Consolas" panose="020B0609020204030204" pitchFamily="49" charset="0"/>
-                <a:cs typeface="Consolas" panose="020B0609020204030204" pitchFamily="49" charset="0"/>
-              </a:rPr>
-              <a:t>’</a:t>
-            </a:r>
-            <a:br>
-              <a:rPr lang="it-IT" sz="2000" dirty="0">
-                <a:latin typeface="Consolas" panose="020B0609020204030204" pitchFamily="49" charset="0"/>
-                <a:cs typeface="Consolas" panose="020B0609020204030204" pitchFamily="49" charset="0"/>
-              </a:rPr>
-            </a:br>
-            <a:endParaRPr lang="it-IT" sz="2000" dirty="0">
-              <a:latin typeface="Consolas" panose="020B0609020204030204" pitchFamily="49" charset="0"/>
-              <a:cs typeface="Consolas" panose="020B0609020204030204" pitchFamily="49" charset="0"/>
-            </a:endParaRPr>
-          </a:p>
-          <a:p>
-            <a:pPr marL="0" indent="0" fontAlgn="auto">
-              <a:spcAft>
-                <a:spcPts val="0"/>
-              </a:spcAft>
-              <a:buFont typeface="Arial"/>
-              <a:buNone/>
-              <a:defRPr/>
-            </a:pPr>
-            <a:r>
-              <a:rPr lang="it-IT" sz="2000" dirty="0" err="1">
-                <a:latin typeface="Consolas" panose="020B0609020204030204" pitchFamily="49" charset="0"/>
-                <a:cs typeface="Consolas" panose="020B0609020204030204" pitchFamily="49" charset="0"/>
-              </a:rPr>
-              <a:t>print</a:t>
-            </a:r>
-            <a:r>
-              <a:rPr lang="it-IT" sz="2000" dirty="0">
-                <a:latin typeface="Consolas" panose="020B0609020204030204" pitchFamily="49" charset="0"/>
-                <a:cs typeface="Consolas" panose="020B0609020204030204" pitchFamily="49" charset="0"/>
-              </a:rPr>
-              <a:t>(</a:t>
-            </a:r>
-            <a:r>
-              <a:rPr lang="it-IT" sz="2000" dirty="0" err="1">
-                <a:latin typeface="Consolas" panose="020B0609020204030204" pitchFamily="49" charset="0"/>
-                <a:cs typeface="Consolas" panose="020B0609020204030204" pitchFamily="49" charset="0"/>
-              </a:rPr>
-              <a:t>name.</a:t>
-            </a:r>
-            <a:r>
-              <a:rPr lang="it-IT" sz="2000" dirty="0" err="1">
-                <a:solidFill>
-                  <a:schemeClr val="accent6">
-                    <a:lumMod val="75000"/>
-                  </a:schemeClr>
-                </a:solidFill>
-                <a:latin typeface="Consolas" panose="020B0609020204030204" pitchFamily="49" charset="0"/>
-                <a:cs typeface="Consolas" panose="020B0609020204030204" pitchFamily="49" charset="0"/>
-              </a:rPr>
-              <a:t>upper</a:t>
-            </a:r>
-            <a:r>
-              <a:rPr lang="it-IT" sz="2000" dirty="0">
-                <a:latin typeface="Consolas" panose="020B0609020204030204" pitchFamily="49" charset="0"/>
-                <a:cs typeface="Consolas" panose="020B0609020204030204" pitchFamily="49" charset="0"/>
-              </a:rPr>
-              <a:t>())</a:t>
-            </a:r>
-            <a:br>
-              <a:rPr lang="it-IT" sz="2000" dirty="0">
-                <a:latin typeface="Consolas" panose="020B0609020204030204" pitchFamily="49" charset="0"/>
-                <a:cs typeface="Consolas" panose="020B0609020204030204" pitchFamily="49" charset="0"/>
-              </a:rPr>
-            </a:br>
-            <a:r>
-              <a:rPr lang="it-IT" sz="2000" dirty="0" err="1">
-                <a:latin typeface="Consolas" panose="020B0609020204030204" pitchFamily="49" charset="0"/>
-                <a:cs typeface="Consolas" panose="020B0609020204030204" pitchFamily="49" charset="0"/>
-              </a:rPr>
-              <a:t>print</a:t>
-            </a:r>
-            <a:r>
-              <a:rPr lang="it-IT" sz="2000" dirty="0">
-                <a:latin typeface="Consolas" panose="020B0609020204030204" pitchFamily="49" charset="0"/>
-                <a:cs typeface="Consolas" panose="020B0609020204030204" pitchFamily="49" charset="0"/>
-              </a:rPr>
-              <a:t>(</a:t>
-            </a:r>
-            <a:r>
-              <a:rPr lang="it-IT" sz="2000" dirty="0" err="1">
-                <a:latin typeface="Consolas" panose="020B0609020204030204" pitchFamily="49" charset="0"/>
-                <a:cs typeface="Consolas" panose="020B0609020204030204" pitchFamily="49" charset="0"/>
-              </a:rPr>
-              <a:t>name.</a:t>
-            </a:r>
-            <a:r>
-              <a:rPr lang="it-IT" sz="2000" dirty="0" err="1">
-                <a:solidFill>
-                  <a:schemeClr val="accent6">
-                    <a:lumMod val="75000"/>
-                  </a:schemeClr>
-                </a:solidFill>
-                <a:latin typeface="Consolas" panose="020B0609020204030204" pitchFamily="49" charset="0"/>
-                <a:cs typeface="Consolas" panose="020B0609020204030204" pitchFamily="49" charset="0"/>
-              </a:rPr>
-              <a:t>lower</a:t>
-            </a:r>
-            <a:r>
-              <a:rPr lang="it-IT" sz="2000" dirty="0">
-                <a:latin typeface="Consolas" panose="020B0609020204030204" pitchFamily="49" charset="0"/>
-                <a:cs typeface="Consolas" panose="020B0609020204030204" pitchFamily="49" charset="0"/>
-              </a:rPr>
-              <a:t>())</a:t>
-            </a:r>
-            <a:br>
-              <a:rPr lang="it-IT" sz="2000" dirty="0">
-                <a:latin typeface="Consolas" panose="020B0609020204030204" pitchFamily="49" charset="0"/>
-                <a:cs typeface="Consolas" panose="020B0609020204030204" pitchFamily="49" charset="0"/>
-              </a:rPr>
-            </a:br>
-            <a:r>
-              <a:rPr lang="it-IT" sz="2000" dirty="0" err="1">
-                <a:latin typeface="Consolas" panose="020B0609020204030204" pitchFamily="49" charset="0"/>
-                <a:cs typeface="Consolas" panose="020B0609020204030204" pitchFamily="49" charset="0"/>
-              </a:rPr>
-              <a:t>print</a:t>
-            </a:r>
-            <a:r>
-              <a:rPr lang="it-IT" sz="2000" dirty="0">
-                <a:latin typeface="Consolas" panose="020B0609020204030204" pitchFamily="49" charset="0"/>
-                <a:cs typeface="Consolas" panose="020B0609020204030204" pitchFamily="49" charset="0"/>
-              </a:rPr>
-              <a:t>(</a:t>
-            </a:r>
-            <a:r>
-              <a:rPr lang="it-IT" sz="2000" dirty="0" err="1">
-                <a:latin typeface="Consolas" panose="020B0609020204030204" pitchFamily="49" charset="0"/>
-                <a:cs typeface="Consolas" panose="020B0609020204030204" pitchFamily="49" charset="0"/>
-              </a:rPr>
-              <a:t>name.</a:t>
-            </a:r>
-            <a:r>
-              <a:rPr lang="it-IT" sz="2000" dirty="0" err="1">
-                <a:solidFill>
-                  <a:schemeClr val="accent6">
-                    <a:lumMod val="75000"/>
-                  </a:schemeClr>
-                </a:solidFill>
-                <a:latin typeface="Consolas" panose="020B0609020204030204" pitchFamily="49" charset="0"/>
-                <a:cs typeface="Consolas" panose="020B0609020204030204" pitchFamily="49" charset="0"/>
-              </a:rPr>
-              <a:t>capitalize</a:t>
-            </a:r>
-            <a:r>
-              <a:rPr lang="it-IT" sz="2000" dirty="0">
-                <a:latin typeface="Consolas" panose="020B0609020204030204" pitchFamily="49" charset="0"/>
-                <a:cs typeface="Consolas" panose="020B0609020204030204" pitchFamily="49" charset="0"/>
-              </a:rPr>
-              <a:t>())</a:t>
-            </a:r>
-            <a:br>
-              <a:rPr lang="it-IT" sz="2000" dirty="0">
-                <a:latin typeface="Consolas" panose="020B0609020204030204" pitchFamily="49" charset="0"/>
-                <a:cs typeface="Consolas" panose="020B0609020204030204" pitchFamily="49" charset="0"/>
-              </a:rPr>
-            </a:br>
-            <a:r>
-              <a:rPr lang="it-IT" sz="2000" dirty="0" err="1">
-                <a:latin typeface="Consolas" panose="020B0609020204030204" pitchFamily="49" charset="0"/>
-                <a:cs typeface="Consolas" panose="020B0609020204030204" pitchFamily="49" charset="0"/>
-              </a:rPr>
-              <a:t>print</a:t>
-            </a:r>
-            <a:r>
-              <a:rPr lang="it-IT" sz="2000" dirty="0">
-                <a:latin typeface="Consolas" panose="020B0609020204030204" pitchFamily="49" charset="0"/>
-                <a:cs typeface="Consolas" panose="020B0609020204030204" pitchFamily="49" charset="0"/>
-              </a:rPr>
-              <a:t>(</a:t>
-            </a:r>
-            <a:r>
-              <a:rPr lang="it-IT" sz="2000" dirty="0" err="1">
-                <a:latin typeface="Consolas" panose="020B0609020204030204" pitchFamily="49" charset="0"/>
-                <a:cs typeface="Consolas" panose="020B0609020204030204" pitchFamily="49" charset="0"/>
-              </a:rPr>
-              <a:t>name.</a:t>
-            </a:r>
-            <a:r>
-              <a:rPr lang="it-IT" sz="2000" dirty="0" err="1">
-                <a:solidFill>
-                  <a:schemeClr val="accent6">
-                    <a:lumMod val="75000"/>
-                  </a:schemeClr>
-                </a:solidFill>
-                <a:latin typeface="Consolas" panose="020B0609020204030204" pitchFamily="49" charset="0"/>
-                <a:cs typeface="Consolas" panose="020B0609020204030204" pitchFamily="49" charset="0"/>
-              </a:rPr>
-              <a:t>title</a:t>
-            </a:r>
-            <a:r>
-              <a:rPr lang="it-IT" sz="2000" dirty="0">
-                <a:latin typeface="Consolas" panose="020B0609020204030204" pitchFamily="49" charset="0"/>
-                <a:cs typeface="Consolas" panose="020B0609020204030204" pitchFamily="49" charset="0"/>
-              </a:rPr>
-              <a:t>())</a:t>
-            </a:r>
-            <a:br>
-              <a:rPr lang="it-IT" sz="2000" dirty="0">
-                <a:latin typeface="Consolas" panose="020B0609020204030204" pitchFamily="49" charset="0"/>
-                <a:cs typeface="Consolas" panose="020B0609020204030204" pitchFamily="49" charset="0"/>
-              </a:rPr>
-            </a:br>
-            <a:br>
-              <a:rPr lang="it-IT" sz="2000" dirty="0">
-                <a:latin typeface="Consolas" panose="020B0609020204030204" pitchFamily="49" charset="0"/>
-                <a:cs typeface="Consolas" panose="020B0609020204030204" pitchFamily="49" charset="0"/>
-              </a:rPr>
-            </a:br>
-            <a:r>
-              <a:rPr lang="it-IT" sz="2000" dirty="0" err="1">
-                <a:latin typeface="Consolas" panose="020B0609020204030204" pitchFamily="49" charset="0"/>
-                <a:cs typeface="Consolas" panose="020B0609020204030204" pitchFamily="49" charset="0"/>
-              </a:rPr>
-              <a:t>print</a:t>
-            </a:r>
-            <a:r>
-              <a:rPr lang="it-IT" sz="2000" dirty="0">
-                <a:latin typeface="Consolas" panose="020B0609020204030204" pitchFamily="49" charset="0"/>
-                <a:cs typeface="Consolas" panose="020B0609020204030204" pitchFamily="49" charset="0"/>
-              </a:rPr>
-              <a:t>(</a:t>
-            </a:r>
-            <a:r>
-              <a:rPr lang="it-IT" sz="2000" dirty="0" err="1">
-                <a:latin typeface="Consolas" panose="020B0609020204030204" pitchFamily="49" charset="0"/>
-                <a:cs typeface="Consolas" panose="020B0609020204030204" pitchFamily="49" charset="0"/>
-              </a:rPr>
-              <a:t>name.</a:t>
-            </a:r>
-            <a:r>
-              <a:rPr lang="it-IT" sz="2000" dirty="0" err="1">
-                <a:solidFill>
-                  <a:schemeClr val="accent6">
-                    <a:lumMod val="75000"/>
-                  </a:schemeClr>
-                </a:solidFill>
-                <a:latin typeface="Consolas" panose="020B0609020204030204" pitchFamily="49" charset="0"/>
-                <a:cs typeface="Consolas" panose="020B0609020204030204" pitchFamily="49" charset="0"/>
-              </a:rPr>
-              <a:t>islower</a:t>
-            </a:r>
-            <a:r>
-              <a:rPr lang="it-IT" sz="2000" dirty="0">
-                <a:latin typeface="Consolas" panose="020B0609020204030204" pitchFamily="49" charset="0"/>
-                <a:cs typeface="Consolas" panose="020B0609020204030204" pitchFamily="49" charset="0"/>
-              </a:rPr>
-              <a:t>())</a:t>
-            </a:r>
-            <a:br>
-              <a:rPr lang="it-IT" sz="2000" dirty="0">
-                <a:latin typeface="Consolas" panose="020B0609020204030204" pitchFamily="49" charset="0"/>
-                <a:cs typeface="Consolas" panose="020B0609020204030204" pitchFamily="49" charset="0"/>
-              </a:rPr>
-            </a:br>
-            <a:r>
-              <a:rPr lang="it-IT" sz="2000" dirty="0" err="1">
-                <a:latin typeface="Consolas" panose="020B0609020204030204" pitchFamily="49" charset="0"/>
-                <a:cs typeface="Consolas" panose="020B0609020204030204" pitchFamily="49" charset="0"/>
-              </a:rPr>
-              <a:t>print</a:t>
-            </a:r>
-            <a:r>
-              <a:rPr lang="it-IT" sz="2000" dirty="0">
-                <a:latin typeface="Consolas" panose="020B0609020204030204" pitchFamily="49" charset="0"/>
-                <a:cs typeface="Consolas" panose="020B0609020204030204" pitchFamily="49" charset="0"/>
-              </a:rPr>
-              <a:t>(</a:t>
-            </a:r>
-            <a:r>
-              <a:rPr lang="it-IT" sz="2000" dirty="0" err="1">
-                <a:latin typeface="Consolas" panose="020B0609020204030204" pitchFamily="49" charset="0"/>
-                <a:cs typeface="Consolas" panose="020B0609020204030204" pitchFamily="49" charset="0"/>
-              </a:rPr>
-              <a:t>name.</a:t>
-            </a:r>
-            <a:r>
-              <a:rPr lang="it-IT" sz="2000" dirty="0" err="1">
-                <a:solidFill>
-                  <a:schemeClr val="accent6">
-                    <a:lumMod val="75000"/>
-                  </a:schemeClr>
-                </a:solidFill>
-                <a:latin typeface="Consolas" panose="020B0609020204030204" pitchFamily="49" charset="0"/>
-                <a:cs typeface="Consolas" panose="020B0609020204030204" pitchFamily="49" charset="0"/>
-              </a:rPr>
-              <a:t>isupper</a:t>
-            </a:r>
-            <a:r>
-              <a:rPr lang="it-IT" sz="2000" dirty="0">
-                <a:latin typeface="Consolas" panose="020B0609020204030204" pitchFamily="49" charset="0"/>
-                <a:cs typeface="Consolas" panose="020B0609020204030204" pitchFamily="49" charset="0"/>
-              </a:rPr>
-              <a:t>())</a:t>
-            </a:r>
-            <a:br>
-              <a:rPr lang="it-IT" sz="2000" dirty="0">
-                <a:latin typeface="Consolas" panose="020B0609020204030204" pitchFamily="49" charset="0"/>
-                <a:cs typeface="Consolas" panose="020B0609020204030204" pitchFamily="49" charset="0"/>
-              </a:rPr>
-            </a:br>
-            <a:r>
-              <a:rPr lang="it-IT" sz="2000" dirty="0" err="1">
-                <a:latin typeface="Consolas" panose="020B0609020204030204" pitchFamily="49" charset="0"/>
-                <a:cs typeface="Consolas" panose="020B0609020204030204" pitchFamily="49" charset="0"/>
-              </a:rPr>
-              <a:t>print</a:t>
-            </a:r>
-            <a:r>
-              <a:rPr lang="it-IT" sz="2000" dirty="0">
-                <a:latin typeface="Consolas" panose="020B0609020204030204" pitchFamily="49" charset="0"/>
-                <a:cs typeface="Consolas" panose="020B0609020204030204" pitchFamily="49" charset="0"/>
-              </a:rPr>
-              <a:t>(</a:t>
-            </a:r>
-            <a:r>
-              <a:rPr lang="it-IT" sz="2000" dirty="0" err="1">
-                <a:latin typeface="Consolas" panose="020B0609020204030204" pitchFamily="49" charset="0"/>
-                <a:cs typeface="Consolas" panose="020B0609020204030204" pitchFamily="49" charset="0"/>
-              </a:rPr>
-              <a:t>name.</a:t>
-            </a:r>
-            <a:r>
-              <a:rPr lang="it-IT" sz="2000" dirty="0" err="1">
-                <a:solidFill>
-                  <a:schemeClr val="accent6">
-                    <a:lumMod val="75000"/>
-                  </a:schemeClr>
-                </a:solidFill>
-                <a:latin typeface="Consolas" panose="020B0609020204030204" pitchFamily="49" charset="0"/>
-                <a:cs typeface="Consolas" panose="020B0609020204030204" pitchFamily="49" charset="0"/>
-              </a:rPr>
-              <a:t>istitle</a:t>
-            </a:r>
-            <a:r>
-              <a:rPr lang="it-IT" sz="2000" dirty="0">
-                <a:latin typeface="Consolas" panose="020B0609020204030204" pitchFamily="49" charset="0"/>
-                <a:cs typeface="Consolas" panose="020B0609020204030204" pitchFamily="49" charset="0"/>
-              </a:rPr>
-              <a:t>())</a:t>
-            </a:r>
-          </a:p>
-          <a:p>
-            <a:pPr marL="0" indent="0" fontAlgn="auto">
-              <a:spcAft>
-                <a:spcPts val="0"/>
-              </a:spcAft>
-              <a:buFont typeface="Arial"/>
-              <a:buNone/>
-              <a:defRPr/>
-            </a:pPr>
-            <a:endParaRPr lang="it-IT" sz="2000" dirty="0">
-              <a:latin typeface="Consolas" panose="020B0609020204030204" pitchFamily="49" charset="0"/>
-              <a:cs typeface="Consolas" panose="020B0609020204030204" pitchFamily="49" charset="0"/>
-            </a:endParaRPr>
-          </a:p>
-        </p:txBody>
-      </p:sp>
-      <p:sp>
-        <p:nvSpPr>
-          <p:cNvPr id="2" name="Content Placeholder 1">
-            <a:extLst>
-              <a:ext uri="{FF2B5EF4-FFF2-40B4-BE49-F238E27FC236}">
-                <a16:creationId xmlns:a16="http://schemas.microsoft.com/office/drawing/2014/main" id="{21ADDEE0-89BA-9149-BB49-06EE2CB348ED}"/>
-              </a:ext>
-            </a:extLst>
-          </p:cNvPr>
-          <p:cNvSpPr>
-            <a:spLocks noGrp="1"/>
-          </p:cNvSpPr>
-          <p:nvPr>
-            <p:ph sz="half" idx="2"/>
+            <p:ph idx="1"/>
           </p:nvPr>
         </p:nvSpPr>
         <p:spPr/>
@@ -28288,195 +28317,303 @@
           <a:bodyPr/>
           <a:lstStyle/>
           <a:p>
-            <a:pPr marL="0" indent="0" fontAlgn="auto">
-              <a:spcAft>
-                <a:spcPts val="0"/>
-              </a:spcAft>
-              <a:buFont typeface="Arial"/>
-              <a:buNone/>
-              <a:defRPr/>
-            </a:pPr>
-            <a:r>
-              <a:rPr lang="it-IT" sz="2000" dirty="0">
-                <a:latin typeface="Consolas" panose="020B0609020204030204" pitchFamily="49" charset="0"/>
-                <a:cs typeface="Consolas" panose="020B0609020204030204" pitchFamily="49" charset="0"/>
-              </a:rPr>
-              <a:t># Output</a:t>
-            </a:r>
-          </a:p>
-          <a:p>
-            <a:pPr marL="0" indent="0" fontAlgn="auto">
-              <a:spcAft>
-                <a:spcPts val="0"/>
-              </a:spcAft>
-              <a:buFont typeface="Arial"/>
-              <a:buNone/>
-              <a:defRPr/>
-            </a:pPr>
-            <a:r>
-              <a:rPr lang="it-IT" sz="2000" dirty="0">
-                <a:latin typeface="Consolas" panose="020B0609020204030204" pitchFamily="49" charset="0"/>
-                <a:cs typeface="Consolas" panose="020B0609020204030204" pitchFamily="49" charset="0"/>
-              </a:rPr>
-              <a:t>ADA LOVELACE</a:t>
-            </a:r>
-          </a:p>
-          <a:p>
-            <a:pPr marL="0" indent="0" fontAlgn="auto">
-              <a:spcAft>
-                <a:spcPts val="0"/>
-              </a:spcAft>
-              <a:buFont typeface="Arial"/>
-              <a:buNone/>
-              <a:defRPr/>
-            </a:pPr>
-            <a:r>
-              <a:rPr lang="it-IT" sz="2000" dirty="0" err="1">
-                <a:latin typeface="Consolas" panose="020B0609020204030204" pitchFamily="49" charset="0"/>
-                <a:cs typeface="Consolas" panose="020B0609020204030204" pitchFamily="49" charset="0"/>
-              </a:rPr>
-              <a:t>ada</a:t>
-            </a:r>
-            <a:r>
-              <a:rPr lang="it-IT" sz="2000" dirty="0">
-                <a:latin typeface="Consolas" panose="020B0609020204030204" pitchFamily="49" charset="0"/>
-                <a:cs typeface="Consolas" panose="020B0609020204030204" pitchFamily="49" charset="0"/>
-              </a:rPr>
-              <a:t> </a:t>
-            </a:r>
-            <a:r>
-              <a:rPr lang="it-IT" sz="2000" dirty="0" err="1">
-                <a:latin typeface="Consolas" panose="020B0609020204030204" pitchFamily="49" charset="0"/>
-                <a:cs typeface="Consolas" panose="020B0609020204030204" pitchFamily="49" charset="0"/>
-              </a:rPr>
-              <a:t>lovelace</a:t>
-            </a:r>
-            <a:endParaRPr lang="it-IT" sz="2000" dirty="0">
+            <a:pPr marL="0" indent="0">
+              <a:buNone/>
+            </a:pPr>
+            <a:r>
+              <a:rPr lang="en-GB" sz="1400" dirty="0">
+                <a:latin typeface="Consolas" panose="020B0609020204030204" pitchFamily="49" charset="0"/>
+                <a:cs typeface="Consolas" panose="020B0609020204030204" pitchFamily="49" charset="0"/>
+              </a:rPr>
+              <a:t># re-arranging the order of arguments</a:t>
+            </a:r>
+          </a:p>
+          <a:p>
+            <a:pPr marL="0" indent="0">
+              <a:buNone/>
+            </a:pPr>
+            <a:r>
+              <a:rPr lang="en-GB" sz="1400" dirty="0">
+                <a:latin typeface="Consolas" panose="020B0609020204030204" pitchFamily="49" charset="0"/>
+                <a:cs typeface="Consolas" panose="020B0609020204030204" pitchFamily="49" charset="0"/>
+              </a:rPr>
+              <a:t>print('{1} {0}'.format('</a:t>
+            </a:r>
+            <a:r>
+              <a:rPr lang="en-GB" sz="1400" dirty="0" err="1">
+                <a:latin typeface="Consolas" panose="020B0609020204030204" pitchFamily="49" charset="0"/>
+                <a:cs typeface="Consolas" panose="020B0609020204030204" pitchFamily="49" charset="0"/>
+              </a:rPr>
+              <a:t>nicola</a:t>
+            </a:r>
+            <a:r>
+              <a:rPr lang="en-GB" sz="1400" dirty="0">
+                <a:latin typeface="Consolas" panose="020B0609020204030204" pitchFamily="49" charset="0"/>
+                <a:cs typeface="Consolas" panose="020B0609020204030204" pitchFamily="49" charset="0"/>
+              </a:rPr>
+              <a:t>', '</a:t>
+            </a:r>
+            <a:r>
+              <a:rPr lang="en-GB" sz="1400" dirty="0" err="1">
+                <a:latin typeface="Consolas" panose="020B0609020204030204" pitchFamily="49" charset="0"/>
+                <a:cs typeface="Consolas" panose="020B0609020204030204" pitchFamily="49" charset="0"/>
+              </a:rPr>
+              <a:t>bicocchi</a:t>
+            </a:r>
+            <a:r>
+              <a:rPr lang="en-GB" sz="1400" dirty="0">
+                <a:latin typeface="Consolas" panose="020B0609020204030204" pitchFamily="49" charset="0"/>
+                <a:cs typeface="Consolas" panose="020B0609020204030204" pitchFamily="49" charset="0"/>
+              </a:rPr>
+              <a:t>’))</a:t>
+            </a:r>
+          </a:p>
+          <a:p>
+            <a:pPr marL="0" indent="0">
+              <a:buNone/>
+            </a:pPr>
+            <a:endParaRPr lang="en-GB" sz="1400" dirty="0">
               <a:latin typeface="Consolas" panose="020B0609020204030204" pitchFamily="49" charset="0"/>
               <a:cs typeface="Consolas" panose="020B0609020204030204" pitchFamily="49" charset="0"/>
             </a:endParaRPr>
           </a:p>
           <a:p>
-            <a:pPr marL="0" indent="0" fontAlgn="auto">
-              <a:spcAft>
-                <a:spcPts val="0"/>
-              </a:spcAft>
-              <a:buFont typeface="Arial"/>
-              <a:buNone/>
-              <a:defRPr/>
-            </a:pPr>
-            <a:r>
-              <a:rPr lang="it-IT" sz="2000" dirty="0">
-                <a:latin typeface="Consolas" panose="020B0609020204030204" pitchFamily="49" charset="0"/>
-                <a:cs typeface="Consolas" panose="020B0609020204030204" pitchFamily="49" charset="0"/>
-              </a:rPr>
-              <a:t>Ada </a:t>
-            </a:r>
-            <a:r>
-              <a:rPr lang="it-IT" sz="2000" dirty="0" err="1">
-                <a:latin typeface="Consolas" panose="020B0609020204030204" pitchFamily="49" charset="0"/>
-                <a:cs typeface="Consolas" panose="020B0609020204030204" pitchFamily="49" charset="0"/>
-              </a:rPr>
-              <a:t>lovelace</a:t>
-            </a:r>
-            <a:endParaRPr lang="it-IT" sz="2000" dirty="0">
+            <a:pPr marL="0" indent="0">
+              <a:buNone/>
+            </a:pPr>
+            <a:r>
+              <a:rPr lang="en-GB" sz="1400" dirty="0">
+                <a:latin typeface="Consolas" panose="020B0609020204030204" pitchFamily="49" charset="0"/>
+                <a:cs typeface="Consolas" panose="020B0609020204030204" pitchFamily="49" charset="0"/>
+              </a:rPr>
+              <a:t># padding up to 10 spaces</a:t>
+            </a:r>
+            <a:br>
+              <a:rPr lang="en-GB" sz="1400" dirty="0">
+                <a:latin typeface="Consolas" panose="020B0609020204030204" pitchFamily="49" charset="0"/>
+                <a:cs typeface="Consolas" panose="020B0609020204030204" pitchFamily="49" charset="0"/>
+              </a:rPr>
+            </a:br>
+            <a:r>
+              <a:rPr lang="en-GB" sz="1400" dirty="0">
+                <a:latin typeface="Consolas" panose="020B0609020204030204" pitchFamily="49" charset="0"/>
+                <a:cs typeface="Consolas" panose="020B0609020204030204" pitchFamily="49" charset="0"/>
+              </a:rPr>
+              <a:t>print('{:10}* {:10}*'.format('</a:t>
+            </a:r>
+            <a:r>
+              <a:rPr lang="en-GB" sz="1400" dirty="0" err="1">
+                <a:latin typeface="Consolas" panose="020B0609020204030204" pitchFamily="49" charset="0"/>
+                <a:cs typeface="Consolas" panose="020B0609020204030204" pitchFamily="49" charset="0"/>
+              </a:rPr>
+              <a:t>nicola</a:t>
+            </a:r>
+            <a:r>
+              <a:rPr lang="en-GB" sz="1400" dirty="0">
+                <a:latin typeface="Consolas" panose="020B0609020204030204" pitchFamily="49" charset="0"/>
+                <a:cs typeface="Consolas" panose="020B0609020204030204" pitchFamily="49" charset="0"/>
+              </a:rPr>
+              <a:t>', '</a:t>
+            </a:r>
+            <a:r>
+              <a:rPr lang="en-GB" sz="1400" dirty="0" err="1">
+                <a:latin typeface="Consolas" panose="020B0609020204030204" pitchFamily="49" charset="0"/>
+                <a:cs typeface="Consolas" panose="020B0609020204030204" pitchFamily="49" charset="0"/>
+              </a:rPr>
+              <a:t>bicocchi</a:t>
+            </a:r>
+            <a:r>
+              <a:rPr lang="en-GB" sz="1400" dirty="0">
+                <a:latin typeface="Consolas" panose="020B0609020204030204" pitchFamily="49" charset="0"/>
+                <a:cs typeface="Consolas" panose="020B0609020204030204" pitchFamily="49" charset="0"/>
+              </a:rPr>
+              <a:t>’))</a:t>
+            </a:r>
+          </a:p>
+          <a:p>
+            <a:pPr marL="0" indent="0">
+              <a:buNone/>
+            </a:pPr>
+            <a:endParaRPr lang="en-GB" sz="1400" dirty="0">
               <a:latin typeface="Consolas" panose="020B0609020204030204" pitchFamily="49" charset="0"/>
               <a:cs typeface="Consolas" panose="020B0609020204030204" pitchFamily="49" charset="0"/>
             </a:endParaRPr>
           </a:p>
           <a:p>
-            <a:pPr marL="0" indent="0" fontAlgn="auto">
-              <a:spcAft>
-                <a:spcPts val="0"/>
-              </a:spcAft>
-              <a:buFont typeface="Arial"/>
-              <a:buNone/>
-              <a:defRPr/>
-            </a:pPr>
-            <a:r>
-              <a:rPr lang="it-IT" sz="2000" dirty="0">
-                <a:latin typeface="Consolas" panose="020B0609020204030204" pitchFamily="49" charset="0"/>
-                <a:cs typeface="Consolas" panose="020B0609020204030204" pitchFamily="49" charset="0"/>
-              </a:rPr>
-              <a:t>Ada </a:t>
-            </a:r>
-            <a:r>
-              <a:rPr lang="it-IT" sz="2000" dirty="0" err="1">
-                <a:latin typeface="Consolas" panose="020B0609020204030204" pitchFamily="49" charset="0"/>
-                <a:cs typeface="Consolas" panose="020B0609020204030204" pitchFamily="49" charset="0"/>
-              </a:rPr>
-              <a:t>Lovelace</a:t>
-            </a:r>
-            <a:endParaRPr lang="it-IT" sz="2000" dirty="0">
+            <a:pPr marL="0" indent="0">
+              <a:buNone/>
+            </a:pPr>
+            <a:r>
+              <a:rPr lang="en-GB" sz="1400" dirty="0">
+                <a:latin typeface="Consolas" panose="020B0609020204030204" pitchFamily="49" charset="0"/>
+                <a:cs typeface="Consolas" panose="020B0609020204030204" pitchFamily="49" charset="0"/>
+              </a:rPr>
+              <a:t># padding up to 6 spaces, 2 digits precision</a:t>
+            </a:r>
+            <a:br>
+              <a:rPr lang="en-GB" sz="1400" dirty="0">
+                <a:latin typeface="Consolas" panose="020B0609020204030204" pitchFamily="49" charset="0"/>
+                <a:cs typeface="Consolas" panose="020B0609020204030204" pitchFamily="49" charset="0"/>
+              </a:rPr>
+            </a:br>
+            <a:r>
+              <a:rPr lang="en-GB" sz="1400" dirty="0">
+                <a:latin typeface="Consolas" panose="020B0609020204030204" pitchFamily="49" charset="0"/>
+                <a:cs typeface="Consolas" panose="020B0609020204030204" pitchFamily="49" charset="0"/>
+              </a:rPr>
+              <a:t>print('{:06.4f} {:06.4f}'.format(1 / 3, 2 / 3))</a:t>
+            </a:r>
+          </a:p>
+          <a:p>
+            <a:pPr marL="0" indent="0">
+              <a:buNone/>
+            </a:pPr>
+            <a:endParaRPr lang="en-GB" sz="1400" dirty="0">
               <a:latin typeface="Consolas" panose="020B0609020204030204" pitchFamily="49" charset="0"/>
               <a:cs typeface="Consolas" panose="020B0609020204030204" pitchFamily="49" charset="0"/>
             </a:endParaRPr>
           </a:p>
           <a:p>
-            <a:pPr marL="0" indent="0" fontAlgn="auto">
-              <a:spcAft>
-                <a:spcPts val="0"/>
-              </a:spcAft>
-              <a:buFont typeface="Arial"/>
-              <a:buNone/>
-              <a:defRPr/>
-            </a:pPr>
-            <a:r>
-              <a:rPr lang="it-IT" sz="2000" dirty="0">
-                <a:latin typeface="Consolas" panose="020B0609020204030204" pitchFamily="49" charset="0"/>
-                <a:cs typeface="Consolas" panose="020B0609020204030204" pitchFamily="49" charset="0"/>
-              </a:rPr>
-              <a:t>False</a:t>
-            </a:r>
-          </a:p>
-          <a:p>
-            <a:pPr marL="0" indent="0" fontAlgn="auto">
-              <a:spcAft>
-                <a:spcPts val="0"/>
-              </a:spcAft>
-              <a:buFont typeface="Arial"/>
-              <a:buNone/>
-              <a:defRPr/>
-            </a:pPr>
-            <a:r>
-              <a:rPr lang="it-IT" sz="2000" dirty="0">
-                <a:latin typeface="Consolas" panose="020B0609020204030204" pitchFamily="49" charset="0"/>
-                <a:cs typeface="Consolas" panose="020B0609020204030204" pitchFamily="49" charset="0"/>
-              </a:rPr>
-              <a:t>False</a:t>
-            </a:r>
-          </a:p>
-          <a:p>
-            <a:pPr marL="0" indent="0" fontAlgn="auto">
-              <a:spcAft>
-                <a:spcPts val="0"/>
-              </a:spcAft>
-              <a:buFont typeface="Arial"/>
-              <a:buNone/>
-              <a:defRPr/>
-            </a:pPr>
-            <a:r>
-              <a:rPr lang="it-IT" sz="2000" dirty="0">
-                <a:latin typeface="Consolas" panose="020B0609020204030204" pitchFamily="49" charset="0"/>
-                <a:cs typeface="Consolas" panose="020B0609020204030204" pitchFamily="49" charset="0"/>
-              </a:rPr>
-              <a:t>True</a:t>
-            </a:r>
-          </a:p>
-          <a:p>
-            <a:pPr marL="0" indent="0">
-              <a:buNone/>
-            </a:pPr>
-            <a:endParaRPr lang="en-GB" sz="2000" dirty="0"/>
+            <a:pPr marL="0" indent="0">
+              <a:buNone/>
+            </a:pPr>
+            <a:r>
+              <a:rPr lang="en-GB" sz="1400" dirty="0">
+                <a:latin typeface="Consolas" panose="020B0609020204030204" pitchFamily="49" charset="0"/>
+                <a:cs typeface="Consolas" panose="020B0609020204030204" pitchFamily="49" charset="0"/>
+              </a:rPr>
+              <a:t># padding up to 4 spaces, 1 digit precision</a:t>
+            </a:r>
+            <a:br>
+              <a:rPr lang="en-GB" sz="1400" dirty="0">
+                <a:latin typeface="Consolas" panose="020B0609020204030204" pitchFamily="49" charset="0"/>
+                <a:cs typeface="Consolas" panose="020B0609020204030204" pitchFamily="49" charset="0"/>
+              </a:rPr>
+            </a:br>
+            <a:r>
+              <a:rPr lang="en-GB" sz="1400" dirty="0">
+                <a:latin typeface="Consolas" panose="020B0609020204030204" pitchFamily="49" charset="0"/>
+                <a:cs typeface="Consolas" panose="020B0609020204030204" pitchFamily="49" charset="0"/>
+              </a:rPr>
+              <a:t>print(‘{:06.1f} {:06.1f}'.format(1 / 3, 2 / 3))</a:t>
+            </a:r>
+          </a:p>
+          <a:p>
+            <a:pPr marL="0" indent="0">
+              <a:buNone/>
+            </a:pPr>
+            <a:endParaRPr lang="en-GB" sz="1400" dirty="0">
+              <a:latin typeface="Consolas" panose="020B0609020204030204" pitchFamily="49" charset="0"/>
+              <a:cs typeface="Consolas" panose="020B0609020204030204" pitchFamily="49" charset="0"/>
+            </a:endParaRPr>
+          </a:p>
+          <a:p>
+            <a:pPr marL="0" indent="0">
+              <a:buNone/>
+            </a:pPr>
+            <a:r>
+              <a:rPr lang="en-GB" sz="1400" dirty="0">
+                <a:latin typeface="Consolas" panose="020B0609020204030204" pitchFamily="49" charset="0"/>
+                <a:cs typeface="Consolas" panose="020B0609020204030204" pitchFamily="49" charset="0"/>
+              </a:rPr>
+              <a:t># Output</a:t>
+            </a:r>
+          </a:p>
+          <a:p>
+            <a:pPr marL="0" indent="0">
+              <a:buNone/>
+            </a:pPr>
+            <a:r>
+              <a:rPr lang="en-GB" sz="1400" dirty="0" err="1">
+                <a:latin typeface="Consolas" panose="020B0609020204030204" pitchFamily="49" charset="0"/>
+                <a:cs typeface="Consolas" panose="020B0609020204030204" pitchFamily="49" charset="0"/>
+              </a:rPr>
+              <a:t>bicocchi</a:t>
+            </a:r>
+            <a:r>
+              <a:rPr lang="en-GB" sz="1400" dirty="0">
+                <a:latin typeface="Consolas" panose="020B0609020204030204" pitchFamily="49" charset="0"/>
+                <a:cs typeface="Consolas" panose="020B0609020204030204" pitchFamily="49" charset="0"/>
+              </a:rPr>
+              <a:t> </a:t>
+            </a:r>
+            <a:r>
+              <a:rPr lang="en-GB" sz="1400" dirty="0" err="1">
+                <a:latin typeface="Consolas" panose="020B0609020204030204" pitchFamily="49" charset="0"/>
+                <a:cs typeface="Consolas" panose="020B0609020204030204" pitchFamily="49" charset="0"/>
+              </a:rPr>
+              <a:t>nicola</a:t>
+            </a:r>
+            <a:endParaRPr lang="en-GB" sz="1400" dirty="0">
+              <a:latin typeface="Consolas" panose="020B0609020204030204" pitchFamily="49" charset="0"/>
+              <a:cs typeface="Consolas" panose="020B0609020204030204" pitchFamily="49" charset="0"/>
+            </a:endParaRPr>
+          </a:p>
+          <a:p>
+            <a:pPr marL="0" indent="0">
+              <a:buNone/>
+            </a:pPr>
+            <a:r>
+              <a:rPr lang="en-GB" sz="1400" dirty="0" err="1">
+                <a:latin typeface="Consolas" panose="020B0609020204030204" pitchFamily="49" charset="0"/>
+                <a:cs typeface="Consolas" panose="020B0609020204030204" pitchFamily="49" charset="0"/>
+              </a:rPr>
+              <a:t>nicola</a:t>
+            </a:r>
+            <a:r>
+              <a:rPr lang="en-GB" sz="1400" dirty="0">
+                <a:latin typeface="Consolas" panose="020B0609020204030204" pitchFamily="49" charset="0"/>
+                <a:cs typeface="Consolas" panose="020B0609020204030204" pitchFamily="49" charset="0"/>
+              </a:rPr>
+              <a:t>    * </a:t>
+            </a:r>
+            <a:r>
+              <a:rPr lang="en-GB" sz="1400" dirty="0" err="1">
+                <a:latin typeface="Consolas" panose="020B0609020204030204" pitchFamily="49" charset="0"/>
+                <a:cs typeface="Consolas" panose="020B0609020204030204" pitchFamily="49" charset="0"/>
+              </a:rPr>
+              <a:t>bicocchi</a:t>
+            </a:r>
+            <a:r>
+              <a:rPr lang="en-GB" sz="1400" dirty="0">
+                <a:latin typeface="Consolas" panose="020B0609020204030204" pitchFamily="49" charset="0"/>
+                <a:cs typeface="Consolas" panose="020B0609020204030204" pitchFamily="49" charset="0"/>
+              </a:rPr>
+              <a:t>  *</a:t>
+            </a:r>
+          </a:p>
+          <a:p>
+            <a:pPr marL="0" indent="0">
+              <a:buNone/>
+            </a:pPr>
+            <a:r>
+              <a:rPr lang="en-GB" sz="1400" dirty="0">
+                <a:latin typeface="Consolas" panose="020B0609020204030204" pitchFamily="49" charset="0"/>
+                <a:cs typeface="Consolas" panose="020B0609020204030204" pitchFamily="49" charset="0"/>
+              </a:rPr>
+              <a:t>0.3333 0.6667</a:t>
+            </a:r>
+          </a:p>
+          <a:p>
+            <a:pPr marL="0" indent="0">
+              <a:buNone/>
+            </a:pPr>
+            <a:r>
+              <a:rPr lang="en-GB" sz="1400" dirty="0">
+                <a:latin typeface="Consolas" panose="020B0609020204030204" pitchFamily="49" charset="0"/>
+                <a:cs typeface="Consolas" panose="020B0609020204030204" pitchFamily="49" charset="0"/>
+              </a:rPr>
+              <a:t>0000.3 0000.7</a:t>
+            </a:r>
           </a:p>
         </p:txBody>
       </p:sp>
       <p:sp>
         <p:nvSpPr>
-          <p:cNvPr id="31747" name="Slide Number Placeholder 3">
+          <p:cNvPr id="33795" name="Slide Number Placeholder 3">
             <a:extLst>
               <a:ext uri="{FF2B5EF4-FFF2-40B4-BE49-F238E27FC236}">
-                <a16:creationId xmlns:a16="http://schemas.microsoft.com/office/drawing/2014/main" id="{8E16FF41-8577-2A42-A78C-9798D7C8B995}"/>
+                <a16:creationId xmlns:a16="http://schemas.microsoft.com/office/drawing/2014/main" id="{3D70E335-0ABA-DA43-92B4-8FD1599D7135}"/>
               </a:ext>
             </a:extLst>
           </p:cNvPr>
@@ -28622,7 +28759,7 @@
                 <a:spcPct val="0"/>
               </a:spcAft>
             </a:pPr>
-            <a:fld id="{D90C713C-7B5D-BC4A-8CA0-B1A728CD2F12}" type="slidenum">
+            <a:fld id="{EC18F378-9565-2F4E-9CD7-9F1D2DA8AD47}" type="slidenum">
               <a:rPr lang="it-IT" altLang="it-IT"/>
               <a:pPr fontAlgn="base">
                 <a:spcBef>
@@ -28639,6 +28776,11 @@
         </p:txBody>
       </p:sp>
     </p:spTree>
+    <p:extLst>
+      <p:ext uri="{BB962C8B-B14F-4D97-AF65-F5344CB8AC3E}">
+        <p14:creationId xmlns:p14="http://schemas.microsoft.com/office/powerpoint/2010/main" val="1937730292"/>
+      </p:ext>
+    </p:extLst>
   </p:cSld>
   <p:clrMapOvr>
     <a:masterClrMapping/>
@@ -28685,8 +28827,8 @@
           <a:lstStyle/>
           <a:p>
             <a:r>
-              <a:rPr lang="en-US" altLang="it-IT"/>
-              <a:t>Stripping Whitespace</a:t>
+              <a:rPr lang="en-US" altLang="it-IT" dirty="0"/>
+              <a:t>Dealing with whitespaces</a:t>
             </a:r>
           </a:p>
         </p:txBody>
@@ -28710,7 +28852,7 @@
         <p:spPr/>
         <p:txBody>
           <a:bodyPr rtlCol="0">
-            <a:normAutofit/>
+            <a:normAutofit fontScale="85000" lnSpcReduction="20000"/>
           </a:bodyPr>
           <a:lstStyle/>
           <a:p>
@@ -28727,7 +28869,7 @@
                 <a:latin typeface="Consolas" panose="020B0609020204030204" pitchFamily="49" charset="0"/>
                 <a:cs typeface="Consolas" panose="020B0609020204030204" pitchFamily="49" charset="0"/>
               </a:rPr>
-              <a:t>language</a:t>
+              <a:t>name</a:t>
             </a:r>
             <a:r>
               <a:rPr lang="it-IT" sz="2000" dirty="0">
@@ -28760,10 +28902,34 @@
               <a:buNone/>
               <a:defRPr/>
             </a:pPr>
-            <a:endParaRPr lang="it-IT" sz="2000" dirty="0">
-              <a:latin typeface="Consolas" panose="020B0609020204030204" pitchFamily="49" charset="0"/>
-              <a:cs typeface="Consolas" panose="020B0609020204030204" pitchFamily="49" charset="0"/>
-            </a:endParaRPr>
+            <a:r>
+              <a:rPr lang="it-IT" sz="2000" dirty="0" err="1">
+                <a:latin typeface="Consolas" panose="020B0609020204030204" pitchFamily="49" charset="0"/>
+                <a:cs typeface="Consolas" panose="020B0609020204030204" pitchFamily="49" charset="0"/>
+              </a:rPr>
+              <a:t>print</a:t>
+            </a:r>
+            <a:r>
+              <a:rPr lang="it-IT" sz="2000" dirty="0">
+                <a:latin typeface="Consolas" panose="020B0609020204030204" pitchFamily="49" charset="0"/>
+                <a:cs typeface="Consolas" panose="020B0609020204030204" pitchFamily="49" charset="0"/>
+              </a:rPr>
+              <a:t>('\'{}\''.format(</a:t>
+            </a:r>
+            <a:r>
+              <a:rPr lang="it-IT" sz="2000" dirty="0" err="1">
+                <a:latin typeface="Consolas" panose="020B0609020204030204" pitchFamily="49" charset="0"/>
+                <a:cs typeface="Consolas" panose="020B0609020204030204" pitchFamily="49" charset="0"/>
+              </a:rPr>
+              <a:t>name.rstrip</a:t>
+            </a:r>
+            <a:r>
+              <a:rPr lang="it-IT" sz="2000" dirty="0">
+                <a:latin typeface="Consolas" panose="020B0609020204030204" pitchFamily="49" charset="0"/>
+                <a:cs typeface="Consolas" panose="020B0609020204030204" pitchFamily="49" charset="0"/>
+              </a:rPr>
+              <a:t>()))</a:t>
+            </a:r>
           </a:p>
           <a:p>
             <a:pPr marL="0" indent="0" fontAlgn="auto">
@@ -28786,45 +28952,21 @@
                 <a:latin typeface="Consolas" panose="020B0609020204030204" pitchFamily="49" charset="0"/>
                 <a:cs typeface="Consolas" panose="020B0609020204030204" pitchFamily="49" charset="0"/>
               </a:rPr>
-              <a:t>('*' + </a:t>
+              <a:t>('\'{}\''.format(</a:t>
             </a:r>
             <a:r>
               <a:rPr lang="it-IT" sz="2000" dirty="0" err="1">
                 <a:latin typeface="Consolas" panose="020B0609020204030204" pitchFamily="49" charset="0"/>
                 <a:cs typeface="Consolas" panose="020B0609020204030204" pitchFamily="49" charset="0"/>
               </a:rPr>
-              <a:t>language.</a:t>
-            </a:r>
-            <a:r>
-              <a:rPr lang="it-IT" sz="2000" dirty="0" err="1">
-                <a:solidFill>
-                  <a:schemeClr val="accent6">
-                    <a:lumMod val="75000"/>
-                  </a:schemeClr>
-                </a:solidFill>
-                <a:latin typeface="Consolas" panose="020B0609020204030204" pitchFamily="49" charset="0"/>
-                <a:cs typeface="Consolas" panose="020B0609020204030204" pitchFamily="49" charset="0"/>
-              </a:rPr>
-              <a:t>rstrip</a:t>
+              <a:t>name.lstrip</a:t>
             </a:r>
             <a:r>
               <a:rPr lang="it-IT" sz="2000" dirty="0">
-                <a:solidFill>
-                  <a:schemeClr val="accent6">
-                    <a:lumMod val="75000"/>
-                  </a:schemeClr>
-                </a:solidFill>
-                <a:latin typeface="Consolas" panose="020B0609020204030204" pitchFamily="49" charset="0"/>
-                <a:cs typeface="Consolas" panose="020B0609020204030204" pitchFamily="49" charset="0"/>
-              </a:rPr>
-              <a:t>() </a:t>
-            </a:r>
-            <a:r>
-              <a:rPr lang="it-IT" sz="2000" dirty="0">
-                <a:latin typeface="Consolas" panose="020B0609020204030204" pitchFamily="49" charset="0"/>
-                <a:cs typeface="Consolas" panose="020B0609020204030204" pitchFamily="49" charset="0"/>
-              </a:rPr>
-              <a:t>+ '*')</a:t>
+                <a:latin typeface="Consolas" panose="020B0609020204030204" pitchFamily="49" charset="0"/>
+                <a:cs typeface="Consolas" panose="020B0609020204030204" pitchFamily="49" charset="0"/>
+              </a:rPr>
+              <a:t>()))</a:t>
             </a:r>
           </a:p>
           <a:p>
@@ -28848,45 +28990,21 @@
                 <a:latin typeface="Consolas" panose="020B0609020204030204" pitchFamily="49" charset="0"/>
                 <a:cs typeface="Consolas" panose="020B0609020204030204" pitchFamily="49" charset="0"/>
               </a:rPr>
-              <a:t>('*' + </a:t>
+              <a:t>('\'{}\''.format(</a:t>
             </a:r>
             <a:r>
               <a:rPr lang="it-IT" sz="2000" dirty="0" err="1">
                 <a:latin typeface="Consolas" panose="020B0609020204030204" pitchFamily="49" charset="0"/>
                 <a:cs typeface="Consolas" panose="020B0609020204030204" pitchFamily="49" charset="0"/>
               </a:rPr>
-              <a:t>language.</a:t>
-            </a:r>
-            <a:r>
-              <a:rPr lang="it-IT" sz="2000" dirty="0" err="1">
-                <a:solidFill>
-                  <a:schemeClr val="accent6">
-                    <a:lumMod val="75000"/>
-                  </a:schemeClr>
-                </a:solidFill>
-                <a:latin typeface="Consolas" panose="020B0609020204030204" pitchFamily="49" charset="0"/>
-                <a:cs typeface="Consolas" panose="020B0609020204030204" pitchFamily="49" charset="0"/>
-              </a:rPr>
-              <a:t>lstrip</a:t>
+              <a:t>name.strip</a:t>
             </a:r>
             <a:r>
               <a:rPr lang="it-IT" sz="2000" dirty="0">
-                <a:solidFill>
-                  <a:schemeClr val="accent6">
-                    <a:lumMod val="75000"/>
-                  </a:schemeClr>
-                </a:solidFill>
-                <a:latin typeface="Consolas" panose="020B0609020204030204" pitchFamily="49" charset="0"/>
-                <a:cs typeface="Consolas" panose="020B0609020204030204" pitchFamily="49" charset="0"/>
-              </a:rPr>
-              <a:t>() </a:t>
-            </a:r>
-            <a:r>
-              <a:rPr lang="it-IT" sz="2000" dirty="0">
-                <a:latin typeface="Consolas" panose="020B0609020204030204" pitchFamily="49" charset="0"/>
-                <a:cs typeface="Consolas" panose="020B0609020204030204" pitchFamily="49" charset="0"/>
-              </a:rPr>
-              <a:t>+ '*')</a:t>
+                <a:latin typeface="Consolas" panose="020B0609020204030204" pitchFamily="49" charset="0"/>
+                <a:cs typeface="Consolas" panose="020B0609020204030204" pitchFamily="49" charset="0"/>
+              </a:rPr>
+              <a:t>()))</a:t>
             </a:r>
           </a:p>
           <a:p>
@@ -28898,58 +29016,10 @@
               <a:buNone/>
               <a:defRPr/>
             </a:pPr>
-            <a:r>
-              <a:rPr lang="it-IT" sz="2000" dirty="0" err="1">
-                <a:latin typeface="Consolas" panose="020B0609020204030204" pitchFamily="49" charset="0"/>
-                <a:cs typeface="Consolas" panose="020B0609020204030204" pitchFamily="49" charset="0"/>
-              </a:rPr>
-              <a:t>print</a:t>
-            </a:r>
-            <a:r>
-              <a:rPr lang="it-IT" sz="2000" dirty="0">
-                <a:latin typeface="Consolas" panose="020B0609020204030204" pitchFamily="49" charset="0"/>
-                <a:cs typeface="Consolas" panose="020B0609020204030204" pitchFamily="49" charset="0"/>
-              </a:rPr>
-              <a:t>('*' + </a:t>
-            </a:r>
-            <a:r>
-              <a:rPr lang="it-IT" sz="2000" dirty="0" err="1">
-                <a:latin typeface="Consolas" panose="020B0609020204030204" pitchFamily="49" charset="0"/>
-                <a:cs typeface="Consolas" panose="020B0609020204030204" pitchFamily="49" charset="0"/>
-              </a:rPr>
-              <a:t>language.</a:t>
-            </a:r>
-            <a:r>
-              <a:rPr lang="it-IT" sz="2000" dirty="0" err="1">
-                <a:solidFill>
-                  <a:schemeClr val="accent6">
-                    <a:lumMod val="75000"/>
-                  </a:schemeClr>
-                </a:solidFill>
-                <a:latin typeface="Consolas" panose="020B0609020204030204" pitchFamily="49" charset="0"/>
-                <a:cs typeface="Consolas" panose="020B0609020204030204" pitchFamily="49" charset="0"/>
-              </a:rPr>
-              <a:t>strip</a:t>
-            </a:r>
-            <a:r>
-              <a:rPr lang="it-IT" sz="2000" dirty="0">
-                <a:solidFill>
-                  <a:schemeClr val="accent6">
-                    <a:lumMod val="75000"/>
-                  </a:schemeClr>
-                </a:solidFill>
-                <a:latin typeface="Consolas" panose="020B0609020204030204" pitchFamily="49" charset="0"/>
-                <a:cs typeface="Consolas" panose="020B0609020204030204" pitchFamily="49" charset="0"/>
-              </a:rPr>
-              <a:t>() </a:t>
-            </a:r>
-            <a:r>
-              <a:rPr lang="it-IT" sz="2000" dirty="0">
-                <a:latin typeface="Consolas" panose="020B0609020204030204" pitchFamily="49" charset="0"/>
-                <a:cs typeface="Consolas" panose="020B0609020204030204" pitchFamily="49" charset="0"/>
-              </a:rPr>
-              <a:t>+ '*’)</a:t>
-            </a:r>
+            <a:endParaRPr lang="it-IT" sz="2000" dirty="0">
+              <a:latin typeface="Consolas" panose="020B0609020204030204" pitchFamily="49" charset="0"/>
+              <a:cs typeface="Consolas" panose="020B0609020204030204" pitchFamily="49" charset="0"/>
+            </a:endParaRPr>
           </a:p>
           <a:p>
             <a:pPr marL="0" indent="0" fontAlgn="auto">
@@ -28960,10 +29030,34 @@
               <a:buNone/>
               <a:defRPr/>
             </a:pPr>
-            <a:endParaRPr lang="it-IT" sz="2000" dirty="0">
-              <a:latin typeface="Consolas" panose="020B0609020204030204" pitchFamily="49" charset="0"/>
-              <a:cs typeface="Consolas" panose="020B0609020204030204" pitchFamily="49" charset="0"/>
-            </a:endParaRPr>
+            <a:r>
+              <a:rPr lang="it-IT" sz="2000" dirty="0" err="1">
+                <a:latin typeface="Consolas" panose="020B0609020204030204" pitchFamily="49" charset="0"/>
+                <a:cs typeface="Consolas" panose="020B0609020204030204" pitchFamily="49" charset="0"/>
+              </a:rPr>
+              <a:t>name</a:t>
+            </a:r>
+            <a:r>
+              <a:rPr lang="it-IT" sz="2000" dirty="0">
+                <a:latin typeface="Consolas" panose="020B0609020204030204" pitchFamily="49" charset="0"/>
+                <a:cs typeface="Consolas" panose="020B0609020204030204" pitchFamily="49" charset="0"/>
+              </a:rPr>
+              <a:t> = '</a:t>
+            </a:r>
+            <a:r>
+              <a:rPr lang="it-IT" sz="2000" dirty="0" err="1">
+                <a:latin typeface="Consolas" panose="020B0609020204030204" pitchFamily="49" charset="0"/>
+                <a:cs typeface="Consolas" panose="020B0609020204030204" pitchFamily="49" charset="0"/>
+              </a:rPr>
+              <a:t>python</a:t>
+            </a:r>
+            <a:r>
+              <a:rPr lang="it-IT" sz="2000" dirty="0">
+                <a:latin typeface="Consolas" panose="020B0609020204030204" pitchFamily="49" charset="0"/>
+                <a:cs typeface="Consolas" panose="020B0609020204030204" pitchFamily="49" charset="0"/>
+              </a:rPr>
+              <a:t>'</a:t>
+            </a:r>
           </a:p>
           <a:p>
             <a:pPr marL="0" indent="0" fontAlgn="auto">
@@ -28975,11 +29069,32 @@
               <a:defRPr/>
             </a:pPr>
             <a:r>
+              <a:rPr lang="it-IT" sz="2000" dirty="0" err="1">
+                <a:latin typeface="Consolas" panose="020B0609020204030204" pitchFamily="49" charset="0"/>
+                <a:cs typeface="Consolas" panose="020B0609020204030204" pitchFamily="49" charset="0"/>
+              </a:rPr>
+              <a:t>print</a:t>
+            </a:r>
+            <a:r>
               <a:rPr lang="it-IT" sz="2000" dirty="0">
                 <a:latin typeface="Consolas" panose="020B0609020204030204" pitchFamily="49" charset="0"/>
                 <a:cs typeface="Consolas" panose="020B0609020204030204" pitchFamily="49" charset="0"/>
               </a:rPr>
-              <a:t># Output</a:t>
+              <a:t>('\'{}\''.format(</a:t>
+            </a:r>
+            <a:r>
+              <a:rPr lang="it-IT" sz="2000" dirty="0" err="1">
+                <a:latin typeface="Consolas" panose="020B0609020204030204" pitchFamily="49" charset="0"/>
+                <a:cs typeface="Consolas" panose="020B0609020204030204" pitchFamily="49" charset="0"/>
+              </a:rPr>
+              <a:t>name.rjust</a:t>
+            </a:r>
+            <a:r>
+              <a:rPr lang="it-IT" sz="2000" dirty="0">
+                <a:latin typeface="Consolas" panose="020B0609020204030204" pitchFamily="49" charset="0"/>
+                <a:cs typeface="Consolas" panose="020B0609020204030204" pitchFamily="49" charset="0"/>
+              </a:rPr>
+              <a:t>(10)))</a:t>
             </a:r>
           </a:p>
           <a:p>
@@ -28992,25 +29107,32 @@
               <a:defRPr/>
             </a:pPr>
             <a:r>
+              <a:rPr lang="it-IT" sz="2000" dirty="0" err="1">
+                <a:latin typeface="Consolas" panose="020B0609020204030204" pitchFamily="49" charset="0"/>
+                <a:cs typeface="Consolas" panose="020B0609020204030204" pitchFamily="49" charset="0"/>
+              </a:rPr>
+              <a:t>print</a:t>
+            </a:r>
+            <a:r>
               <a:rPr lang="it-IT" sz="2000" dirty="0">
                 <a:latin typeface="Consolas" panose="020B0609020204030204" pitchFamily="49" charset="0"/>
                 <a:cs typeface="Consolas" panose="020B0609020204030204" pitchFamily="49" charset="0"/>
               </a:rPr>
-              <a:t>* </a:t>
+              <a:t>('\'{}\''.format(</a:t>
             </a:r>
             <a:r>
               <a:rPr lang="it-IT" sz="2000" dirty="0" err="1">
                 <a:latin typeface="Consolas" panose="020B0609020204030204" pitchFamily="49" charset="0"/>
                 <a:cs typeface="Consolas" panose="020B0609020204030204" pitchFamily="49" charset="0"/>
               </a:rPr>
-              <a:t>python</a:t>
+              <a:t>name.ljust</a:t>
             </a:r>
             <a:r>
               <a:rPr lang="it-IT" sz="2000" dirty="0">
                 <a:latin typeface="Consolas" panose="020B0609020204030204" pitchFamily="49" charset="0"/>
                 <a:cs typeface="Consolas" panose="020B0609020204030204" pitchFamily="49" charset="0"/>
               </a:rPr>
-              <a:t>*</a:t>
+              <a:t>(10)))</a:t>
             </a:r>
           </a:p>
           <a:p>
@@ -29023,25 +29145,32 @@
               <a:defRPr/>
             </a:pPr>
             <a:r>
+              <a:rPr lang="it-IT" sz="2000" dirty="0" err="1">
+                <a:latin typeface="Consolas" panose="020B0609020204030204" pitchFamily="49" charset="0"/>
+                <a:cs typeface="Consolas" panose="020B0609020204030204" pitchFamily="49" charset="0"/>
+              </a:rPr>
+              <a:t>print</a:t>
+            </a:r>
+            <a:r>
               <a:rPr lang="it-IT" sz="2000" dirty="0">
                 <a:latin typeface="Consolas" panose="020B0609020204030204" pitchFamily="49" charset="0"/>
                 <a:cs typeface="Consolas" panose="020B0609020204030204" pitchFamily="49" charset="0"/>
               </a:rPr>
-              <a:t>*</a:t>
+              <a:t>('\'{}\''.format(</a:t>
             </a:r>
             <a:r>
               <a:rPr lang="it-IT" sz="2000" dirty="0" err="1">
                 <a:latin typeface="Consolas" panose="020B0609020204030204" pitchFamily="49" charset="0"/>
                 <a:cs typeface="Consolas" panose="020B0609020204030204" pitchFamily="49" charset="0"/>
               </a:rPr>
-              <a:t>python</a:t>
+              <a:t>name.center</a:t>
             </a:r>
             <a:r>
               <a:rPr lang="it-IT" sz="2000" dirty="0">
                 <a:latin typeface="Consolas" panose="020B0609020204030204" pitchFamily="49" charset="0"/>
                 <a:cs typeface="Consolas" panose="020B0609020204030204" pitchFamily="49" charset="0"/>
               </a:rPr>
-              <a:t> *</a:t>
+              <a:t>(10)))</a:t>
             </a:r>
           </a:p>
           <a:p>
@@ -29053,12 +29182,43 @@
               <a:buNone/>
               <a:defRPr/>
             </a:pPr>
+            <a:endParaRPr lang="it-IT" sz="2000" dirty="0">
+              <a:latin typeface="Consolas" panose="020B0609020204030204" pitchFamily="49" charset="0"/>
+              <a:cs typeface="Consolas" panose="020B0609020204030204" pitchFamily="49" charset="0"/>
+            </a:endParaRPr>
+          </a:p>
+          <a:p>
+            <a:pPr marL="0" indent="0" fontAlgn="auto">
+              <a:spcAft>
+                <a:spcPts val="0"/>
+              </a:spcAft>
+              <a:buFont typeface="Arial"/>
+              <a:buNone/>
+              <a:defRPr/>
+            </a:pPr>
             <a:r>
               <a:rPr lang="it-IT" sz="2000" dirty="0">
                 <a:latin typeface="Consolas" panose="020B0609020204030204" pitchFamily="49" charset="0"/>
                 <a:cs typeface="Consolas" panose="020B0609020204030204" pitchFamily="49" charset="0"/>
               </a:rPr>
-              <a:t>*</a:t>
+              <a:t># Output</a:t>
+            </a:r>
+          </a:p>
+          <a:p>
+            <a:pPr marL="0" indent="0" fontAlgn="auto">
+              <a:spcAft>
+                <a:spcPts val="0"/>
+              </a:spcAft>
+              <a:buFont typeface="Arial"/>
+              <a:buNone/>
+              <a:defRPr/>
+            </a:pPr>
+            <a:r>
+              <a:rPr lang="it-IT" sz="2000" dirty="0">
+                <a:latin typeface="Consolas" panose="020B0609020204030204" pitchFamily="49" charset="0"/>
+                <a:cs typeface="Consolas" panose="020B0609020204030204" pitchFamily="49" charset="0"/>
+              </a:rPr>
+              <a:t>' </a:t>
             </a:r>
             <a:r>
               <a:rPr lang="it-IT" sz="2000" dirty="0" err="1">
@@ -29072,7 +29232,162 @@
                 <a:latin typeface="Consolas" panose="020B0609020204030204" pitchFamily="49" charset="0"/>
                 <a:cs typeface="Consolas" panose="020B0609020204030204" pitchFamily="49" charset="0"/>
               </a:rPr>
-              <a:t>*</a:t>
+              <a:t>'</a:t>
+            </a:r>
+          </a:p>
+          <a:p>
+            <a:pPr marL="0" indent="0" fontAlgn="auto">
+              <a:spcAft>
+                <a:spcPts val="0"/>
+              </a:spcAft>
+              <a:buFont typeface="Arial"/>
+              <a:buNone/>
+              <a:defRPr/>
+            </a:pPr>
+            <a:r>
+              <a:rPr lang="it-IT" sz="2000" dirty="0">
+                <a:latin typeface="Consolas" panose="020B0609020204030204" pitchFamily="49" charset="0"/>
+                <a:cs typeface="Consolas" panose="020B0609020204030204" pitchFamily="49" charset="0"/>
+              </a:rPr>
+              <a:t>'</a:t>
+            </a:r>
+            <a:r>
+              <a:rPr lang="it-IT" sz="2000" dirty="0" err="1">
+                <a:latin typeface="Consolas" panose="020B0609020204030204" pitchFamily="49" charset="0"/>
+                <a:cs typeface="Consolas" panose="020B0609020204030204" pitchFamily="49" charset="0"/>
+              </a:rPr>
+              <a:t>python</a:t>
+            </a:r>
+            <a:r>
+              <a:rPr lang="it-IT" sz="2000" dirty="0">
+                <a:latin typeface="Consolas" panose="020B0609020204030204" pitchFamily="49" charset="0"/>
+                <a:cs typeface="Consolas" panose="020B0609020204030204" pitchFamily="49" charset="0"/>
+              </a:rPr>
+              <a:t> '</a:t>
+            </a:r>
+          </a:p>
+          <a:p>
+            <a:pPr marL="0" indent="0" fontAlgn="auto">
+              <a:spcAft>
+                <a:spcPts val="0"/>
+              </a:spcAft>
+              <a:buFont typeface="Arial"/>
+              <a:buNone/>
+              <a:defRPr/>
+            </a:pPr>
+            <a:r>
+              <a:rPr lang="it-IT" sz="2000" dirty="0">
+                <a:latin typeface="Consolas" panose="020B0609020204030204" pitchFamily="49" charset="0"/>
+                <a:cs typeface="Consolas" panose="020B0609020204030204" pitchFamily="49" charset="0"/>
+              </a:rPr>
+              <a:t>'</a:t>
+            </a:r>
+            <a:r>
+              <a:rPr lang="it-IT" sz="2000" dirty="0" err="1">
+                <a:latin typeface="Consolas" panose="020B0609020204030204" pitchFamily="49" charset="0"/>
+                <a:cs typeface="Consolas" panose="020B0609020204030204" pitchFamily="49" charset="0"/>
+              </a:rPr>
+              <a:t>python</a:t>
+            </a:r>
+            <a:r>
+              <a:rPr lang="it-IT" sz="2000" dirty="0">
+                <a:latin typeface="Consolas" panose="020B0609020204030204" pitchFamily="49" charset="0"/>
+                <a:cs typeface="Consolas" panose="020B0609020204030204" pitchFamily="49" charset="0"/>
+              </a:rPr>
+              <a:t>'</a:t>
+            </a:r>
+          </a:p>
+          <a:p>
+            <a:pPr marL="0" indent="0" fontAlgn="auto">
+              <a:spcAft>
+                <a:spcPts val="0"/>
+              </a:spcAft>
+              <a:buFont typeface="Arial"/>
+              <a:buNone/>
+              <a:defRPr/>
+            </a:pPr>
+            <a:r>
+              <a:rPr lang="it-IT" sz="2000" dirty="0">
+                <a:latin typeface="Consolas" panose="020B0609020204030204" pitchFamily="49" charset="0"/>
+                <a:cs typeface="Consolas" panose="020B0609020204030204" pitchFamily="49" charset="0"/>
+              </a:rPr>
+              <a:t>'    </a:t>
+            </a:r>
+            <a:r>
+              <a:rPr lang="it-IT" sz="2000" dirty="0" err="1">
+                <a:latin typeface="Consolas" panose="020B0609020204030204" pitchFamily="49" charset="0"/>
+                <a:cs typeface="Consolas" panose="020B0609020204030204" pitchFamily="49" charset="0"/>
+              </a:rPr>
+              <a:t>python</a:t>
+            </a:r>
+            <a:r>
+              <a:rPr lang="it-IT" sz="2000" dirty="0">
+                <a:latin typeface="Consolas" panose="020B0609020204030204" pitchFamily="49" charset="0"/>
+                <a:cs typeface="Consolas" panose="020B0609020204030204" pitchFamily="49" charset="0"/>
+              </a:rPr>
+              <a:t>'</a:t>
+            </a:r>
+          </a:p>
+          <a:p>
+            <a:pPr marL="0" indent="0" fontAlgn="auto">
+              <a:spcAft>
+                <a:spcPts val="0"/>
+              </a:spcAft>
+              <a:buFont typeface="Arial"/>
+              <a:buNone/>
+              <a:defRPr/>
+            </a:pPr>
+            <a:r>
+              <a:rPr lang="it-IT" sz="2000" dirty="0">
+                <a:latin typeface="Consolas" panose="020B0609020204030204" pitchFamily="49" charset="0"/>
+                <a:cs typeface="Consolas" panose="020B0609020204030204" pitchFamily="49" charset="0"/>
+              </a:rPr>
+              <a:t>'</a:t>
+            </a:r>
+            <a:r>
+              <a:rPr lang="it-IT" sz="2000" dirty="0" err="1">
+                <a:latin typeface="Consolas" panose="020B0609020204030204" pitchFamily="49" charset="0"/>
+                <a:cs typeface="Consolas" panose="020B0609020204030204" pitchFamily="49" charset="0"/>
+              </a:rPr>
+              <a:t>python</a:t>
+            </a:r>
+            <a:r>
+              <a:rPr lang="it-IT" sz="2000" dirty="0">
+                <a:latin typeface="Consolas" panose="020B0609020204030204" pitchFamily="49" charset="0"/>
+                <a:cs typeface="Consolas" panose="020B0609020204030204" pitchFamily="49" charset="0"/>
+              </a:rPr>
+              <a:t>    '</a:t>
+            </a:r>
+          </a:p>
+          <a:p>
+            <a:pPr marL="0" indent="0" fontAlgn="auto">
+              <a:spcAft>
+                <a:spcPts val="0"/>
+              </a:spcAft>
+              <a:buFont typeface="Arial"/>
+              <a:buNone/>
+              <a:defRPr/>
+            </a:pPr>
+            <a:r>
+              <a:rPr lang="it-IT" sz="2000" dirty="0">
+                <a:latin typeface="Consolas" panose="020B0609020204030204" pitchFamily="49" charset="0"/>
+                <a:cs typeface="Consolas" panose="020B0609020204030204" pitchFamily="49" charset="0"/>
+              </a:rPr>
+              <a:t>'  </a:t>
+            </a:r>
+            <a:r>
+              <a:rPr lang="it-IT" sz="2000" dirty="0" err="1">
+                <a:latin typeface="Consolas" panose="020B0609020204030204" pitchFamily="49" charset="0"/>
+                <a:cs typeface="Consolas" panose="020B0609020204030204" pitchFamily="49" charset="0"/>
+              </a:rPr>
+              <a:t>python</a:t>
+            </a:r>
+            <a:r>
+              <a:rPr lang="it-IT" sz="2000" dirty="0">
+                <a:latin typeface="Consolas" panose="020B0609020204030204" pitchFamily="49" charset="0"/>
+                <a:cs typeface="Consolas" panose="020B0609020204030204" pitchFamily="49" charset="0"/>
+              </a:rPr>
+              <a:t>  '</a:t>
             </a:r>
           </a:p>
         </p:txBody>
@@ -29271,10 +29586,38 @@
       </p:grpSpPr>
       <p:sp>
         <p:nvSpPr>
-          <p:cNvPr id="2" name="Title 1">
+          <p:cNvPr id="31745" name="Title 1">
             <a:extLst>
               <a:ext uri="{FF2B5EF4-FFF2-40B4-BE49-F238E27FC236}">
-                <a16:creationId xmlns:a16="http://schemas.microsoft.com/office/drawing/2014/main" id="{675ED45D-E954-DB40-B0BE-83347B0D05B4}"/>
+                <a16:creationId xmlns:a16="http://schemas.microsoft.com/office/drawing/2014/main" id="{C0B4F50D-E6AB-5E45-A0ED-EAAED825F80C}"/>
+              </a:ext>
+            </a:extLst>
+          </p:cNvPr>
+          <p:cNvSpPr>
+            <a:spLocks noGrp="1" noChangeArrowheads="1"/>
+          </p:cNvSpPr>
+          <p:nvPr>
+            <p:ph type="title"/>
+          </p:nvPr>
+        </p:nvSpPr>
+        <p:spPr/>
+        <p:txBody>
+          <a:bodyPr/>
+          <a:lstStyle/>
+          <a:p>
+            <a:r>
+              <a:rPr lang="en-US" altLang="it-IT" dirty="0"/>
+              <a:t>Cases</a:t>
+            </a:r>
+          </a:p>
+        </p:txBody>
+      </p:sp>
+      <p:sp>
+        <p:nvSpPr>
+          <p:cNvPr id="3" name="Content Placeholder 2">
+            <a:extLst>
+              <a:ext uri="{FF2B5EF4-FFF2-40B4-BE49-F238E27FC236}">
+                <a16:creationId xmlns:a16="http://schemas.microsoft.com/office/drawing/2014/main" id="{37630F96-7F74-AB4E-9004-60C77311968B}"/>
               </a:ext>
             </a:extLst>
           </p:cNvPr>
@@ -29282,43 +29625,425 @@
             <a:spLocks noGrp="1"/>
           </p:cNvSpPr>
           <p:nvPr>
-            <p:ph type="title"/>
+            <p:ph sz="half" idx="1"/>
           </p:nvPr>
         </p:nvSpPr>
         <p:spPr/>
         <p:txBody>
           <a:bodyPr rtlCol="0">
-            <a:normAutofit/>
+            <a:noAutofit/>
           </a:bodyPr>
           <a:lstStyle/>
           <a:p>
-            <a:pPr fontAlgn="auto">
+            <a:pPr marL="0" indent="0" fontAlgn="auto">
               <a:spcAft>
                 <a:spcPts val="0"/>
               </a:spcAft>
+              <a:buFont typeface="Arial"/>
+              <a:buNone/>
               <a:defRPr/>
             </a:pPr>
             <a:r>
-              <a:rPr lang="en-US" dirty="0"/>
-              <a:t>Combining Strings</a:t>
-            </a:r>
+              <a:rPr lang="it-IT" sz="2000" dirty="0" err="1">
+                <a:latin typeface="Consolas" panose="020B0609020204030204" pitchFamily="49" charset="0"/>
+                <a:cs typeface="Consolas" panose="020B0609020204030204" pitchFamily="49" charset="0"/>
+              </a:rPr>
+              <a:t>name</a:t>
+            </a:r>
+            <a:r>
+              <a:rPr lang="it-IT" sz="2000" dirty="0">
+                <a:latin typeface="Consolas" panose="020B0609020204030204" pitchFamily="49" charset="0"/>
+                <a:cs typeface="Consolas" panose="020B0609020204030204" pitchFamily="49" charset="0"/>
+              </a:rPr>
+              <a:t> = 'Ada </a:t>
+            </a:r>
+            <a:r>
+              <a:rPr lang="it-IT" sz="2000" dirty="0" err="1">
+                <a:latin typeface="Consolas" panose="020B0609020204030204" pitchFamily="49" charset="0"/>
+                <a:cs typeface="Consolas" panose="020B0609020204030204" pitchFamily="49" charset="0"/>
+              </a:rPr>
+              <a:t>Lovelace</a:t>
+            </a:r>
+            <a:r>
+              <a:rPr lang="it-IT" sz="2000" dirty="0">
+                <a:latin typeface="Consolas" panose="020B0609020204030204" pitchFamily="49" charset="0"/>
+                <a:cs typeface="Consolas" panose="020B0609020204030204" pitchFamily="49" charset="0"/>
+              </a:rPr>
+              <a:t>’</a:t>
+            </a:r>
+            <a:br>
+              <a:rPr lang="it-IT" sz="2000" dirty="0">
+                <a:latin typeface="Consolas" panose="020B0609020204030204" pitchFamily="49" charset="0"/>
+                <a:cs typeface="Consolas" panose="020B0609020204030204" pitchFamily="49" charset="0"/>
+              </a:rPr>
+            </a:br>
+            <a:endParaRPr lang="it-IT" sz="2000" dirty="0">
+              <a:latin typeface="Consolas" panose="020B0609020204030204" pitchFamily="49" charset="0"/>
+              <a:cs typeface="Consolas" panose="020B0609020204030204" pitchFamily="49" charset="0"/>
+            </a:endParaRPr>
+          </a:p>
+          <a:p>
+            <a:pPr marL="0" indent="0" fontAlgn="auto">
+              <a:spcAft>
+                <a:spcPts val="0"/>
+              </a:spcAft>
+              <a:buFont typeface="Arial"/>
+              <a:buNone/>
+              <a:defRPr/>
+            </a:pPr>
+            <a:r>
+              <a:rPr lang="it-IT" sz="2000" dirty="0" err="1">
+                <a:latin typeface="Consolas" panose="020B0609020204030204" pitchFamily="49" charset="0"/>
+                <a:cs typeface="Consolas" panose="020B0609020204030204" pitchFamily="49" charset="0"/>
+              </a:rPr>
+              <a:t>print</a:t>
+            </a:r>
+            <a:r>
+              <a:rPr lang="it-IT" sz="2000" dirty="0">
+                <a:latin typeface="Consolas" panose="020B0609020204030204" pitchFamily="49" charset="0"/>
+                <a:cs typeface="Consolas" panose="020B0609020204030204" pitchFamily="49" charset="0"/>
+              </a:rPr>
+              <a:t>(</a:t>
+            </a:r>
+            <a:r>
+              <a:rPr lang="it-IT" sz="2000" dirty="0" err="1">
+                <a:latin typeface="Consolas" panose="020B0609020204030204" pitchFamily="49" charset="0"/>
+                <a:cs typeface="Consolas" panose="020B0609020204030204" pitchFamily="49" charset="0"/>
+              </a:rPr>
+              <a:t>name.</a:t>
+            </a:r>
+            <a:r>
+              <a:rPr lang="it-IT" sz="2000" dirty="0" err="1">
+                <a:solidFill>
+                  <a:schemeClr val="accent6">
+                    <a:lumMod val="75000"/>
+                  </a:schemeClr>
+                </a:solidFill>
+                <a:latin typeface="Consolas" panose="020B0609020204030204" pitchFamily="49" charset="0"/>
+                <a:cs typeface="Consolas" panose="020B0609020204030204" pitchFamily="49" charset="0"/>
+              </a:rPr>
+              <a:t>upper</a:t>
+            </a:r>
+            <a:r>
+              <a:rPr lang="it-IT" sz="2000" dirty="0">
+                <a:latin typeface="Consolas" panose="020B0609020204030204" pitchFamily="49" charset="0"/>
+                <a:cs typeface="Consolas" panose="020B0609020204030204" pitchFamily="49" charset="0"/>
+              </a:rPr>
+              <a:t>())</a:t>
+            </a:r>
+            <a:br>
+              <a:rPr lang="it-IT" sz="2000" dirty="0">
+                <a:latin typeface="Consolas" panose="020B0609020204030204" pitchFamily="49" charset="0"/>
+                <a:cs typeface="Consolas" panose="020B0609020204030204" pitchFamily="49" charset="0"/>
+              </a:rPr>
+            </a:br>
+            <a:r>
+              <a:rPr lang="it-IT" sz="2000" dirty="0" err="1">
+                <a:latin typeface="Consolas" panose="020B0609020204030204" pitchFamily="49" charset="0"/>
+                <a:cs typeface="Consolas" panose="020B0609020204030204" pitchFamily="49" charset="0"/>
+              </a:rPr>
+              <a:t>print</a:t>
+            </a:r>
+            <a:r>
+              <a:rPr lang="it-IT" sz="2000" dirty="0">
+                <a:latin typeface="Consolas" panose="020B0609020204030204" pitchFamily="49" charset="0"/>
+                <a:cs typeface="Consolas" panose="020B0609020204030204" pitchFamily="49" charset="0"/>
+              </a:rPr>
+              <a:t>(</a:t>
+            </a:r>
+            <a:r>
+              <a:rPr lang="it-IT" sz="2000" dirty="0" err="1">
+                <a:latin typeface="Consolas" panose="020B0609020204030204" pitchFamily="49" charset="0"/>
+                <a:cs typeface="Consolas" panose="020B0609020204030204" pitchFamily="49" charset="0"/>
+              </a:rPr>
+              <a:t>name.</a:t>
+            </a:r>
+            <a:r>
+              <a:rPr lang="it-IT" sz="2000" dirty="0" err="1">
+                <a:solidFill>
+                  <a:schemeClr val="accent6">
+                    <a:lumMod val="75000"/>
+                  </a:schemeClr>
+                </a:solidFill>
+                <a:latin typeface="Consolas" panose="020B0609020204030204" pitchFamily="49" charset="0"/>
+                <a:cs typeface="Consolas" panose="020B0609020204030204" pitchFamily="49" charset="0"/>
+              </a:rPr>
+              <a:t>lower</a:t>
+            </a:r>
+            <a:r>
+              <a:rPr lang="it-IT" sz="2000" dirty="0">
+                <a:latin typeface="Consolas" panose="020B0609020204030204" pitchFamily="49" charset="0"/>
+                <a:cs typeface="Consolas" panose="020B0609020204030204" pitchFamily="49" charset="0"/>
+              </a:rPr>
+              <a:t>())</a:t>
+            </a:r>
+            <a:br>
+              <a:rPr lang="it-IT" sz="2000" dirty="0">
+                <a:latin typeface="Consolas" panose="020B0609020204030204" pitchFamily="49" charset="0"/>
+                <a:cs typeface="Consolas" panose="020B0609020204030204" pitchFamily="49" charset="0"/>
+              </a:rPr>
+            </a:br>
+            <a:r>
+              <a:rPr lang="it-IT" sz="2000" dirty="0" err="1">
+                <a:latin typeface="Consolas" panose="020B0609020204030204" pitchFamily="49" charset="0"/>
+                <a:cs typeface="Consolas" panose="020B0609020204030204" pitchFamily="49" charset="0"/>
+              </a:rPr>
+              <a:t>print</a:t>
+            </a:r>
+            <a:r>
+              <a:rPr lang="it-IT" sz="2000" dirty="0">
+                <a:latin typeface="Consolas" panose="020B0609020204030204" pitchFamily="49" charset="0"/>
+                <a:cs typeface="Consolas" panose="020B0609020204030204" pitchFamily="49" charset="0"/>
+              </a:rPr>
+              <a:t>(</a:t>
+            </a:r>
+            <a:r>
+              <a:rPr lang="it-IT" sz="2000" dirty="0" err="1">
+                <a:latin typeface="Consolas" panose="020B0609020204030204" pitchFamily="49" charset="0"/>
+                <a:cs typeface="Consolas" panose="020B0609020204030204" pitchFamily="49" charset="0"/>
+              </a:rPr>
+              <a:t>name.</a:t>
+            </a:r>
+            <a:r>
+              <a:rPr lang="it-IT" sz="2000" dirty="0" err="1">
+                <a:solidFill>
+                  <a:schemeClr val="accent6">
+                    <a:lumMod val="75000"/>
+                  </a:schemeClr>
+                </a:solidFill>
+                <a:latin typeface="Consolas" panose="020B0609020204030204" pitchFamily="49" charset="0"/>
+                <a:cs typeface="Consolas" panose="020B0609020204030204" pitchFamily="49" charset="0"/>
+              </a:rPr>
+              <a:t>capitalize</a:t>
+            </a:r>
+            <a:r>
+              <a:rPr lang="it-IT" sz="2000" dirty="0">
+                <a:latin typeface="Consolas" panose="020B0609020204030204" pitchFamily="49" charset="0"/>
+                <a:cs typeface="Consolas" panose="020B0609020204030204" pitchFamily="49" charset="0"/>
+              </a:rPr>
+              <a:t>())</a:t>
+            </a:r>
+            <a:br>
+              <a:rPr lang="it-IT" sz="2000" dirty="0">
+                <a:latin typeface="Consolas" panose="020B0609020204030204" pitchFamily="49" charset="0"/>
+                <a:cs typeface="Consolas" panose="020B0609020204030204" pitchFamily="49" charset="0"/>
+              </a:rPr>
+            </a:br>
+            <a:r>
+              <a:rPr lang="it-IT" sz="2000" dirty="0" err="1">
+                <a:latin typeface="Consolas" panose="020B0609020204030204" pitchFamily="49" charset="0"/>
+                <a:cs typeface="Consolas" panose="020B0609020204030204" pitchFamily="49" charset="0"/>
+              </a:rPr>
+              <a:t>print</a:t>
+            </a:r>
+            <a:r>
+              <a:rPr lang="it-IT" sz="2000" dirty="0">
+                <a:latin typeface="Consolas" panose="020B0609020204030204" pitchFamily="49" charset="0"/>
+                <a:cs typeface="Consolas" panose="020B0609020204030204" pitchFamily="49" charset="0"/>
+              </a:rPr>
+              <a:t>(</a:t>
+            </a:r>
+            <a:r>
+              <a:rPr lang="it-IT" sz="2000" dirty="0" err="1">
+                <a:latin typeface="Consolas" panose="020B0609020204030204" pitchFamily="49" charset="0"/>
+                <a:cs typeface="Consolas" panose="020B0609020204030204" pitchFamily="49" charset="0"/>
+              </a:rPr>
+              <a:t>name.</a:t>
+            </a:r>
+            <a:r>
+              <a:rPr lang="it-IT" sz="2000" dirty="0" err="1">
+                <a:solidFill>
+                  <a:schemeClr val="accent6">
+                    <a:lumMod val="75000"/>
+                  </a:schemeClr>
+                </a:solidFill>
+                <a:latin typeface="Consolas" panose="020B0609020204030204" pitchFamily="49" charset="0"/>
+                <a:cs typeface="Consolas" panose="020B0609020204030204" pitchFamily="49" charset="0"/>
+              </a:rPr>
+              <a:t>title</a:t>
+            </a:r>
+            <a:r>
+              <a:rPr lang="it-IT" sz="2000" dirty="0">
+                <a:latin typeface="Consolas" panose="020B0609020204030204" pitchFamily="49" charset="0"/>
+                <a:cs typeface="Consolas" panose="020B0609020204030204" pitchFamily="49" charset="0"/>
+              </a:rPr>
+              <a:t>())</a:t>
+            </a:r>
+            <a:br>
+              <a:rPr lang="it-IT" sz="2000" dirty="0">
+                <a:latin typeface="Consolas" panose="020B0609020204030204" pitchFamily="49" charset="0"/>
+                <a:cs typeface="Consolas" panose="020B0609020204030204" pitchFamily="49" charset="0"/>
+              </a:rPr>
+            </a:br>
+            <a:br>
+              <a:rPr lang="it-IT" sz="2000" dirty="0">
+                <a:latin typeface="Consolas" panose="020B0609020204030204" pitchFamily="49" charset="0"/>
+                <a:cs typeface="Consolas" panose="020B0609020204030204" pitchFamily="49" charset="0"/>
+              </a:rPr>
+            </a:br>
+            <a:r>
+              <a:rPr lang="it-IT" sz="2000" dirty="0" err="1">
+                <a:latin typeface="Consolas" panose="020B0609020204030204" pitchFamily="49" charset="0"/>
+                <a:cs typeface="Consolas" panose="020B0609020204030204" pitchFamily="49" charset="0"/>
+              </a:rPr>
+              <a:t>print</a:t>
+            </a:r>
+            <a:r>
+              <a:rPr lang="it-IT" sz="2000" dirty="0">
+                <a:latin typeface="Consolas" panose="020B0609020204030204" pitchFamily="49" charset="0"/>
+                <a:cs typeface="Consolas" panose="020B0609020204030204" pitchFamily="49" charset="0"/>
+              </a:rPr>
+              <a:t>(</a:t>
+            </a:r>
+            <a:r>
+              <a:rPr lang="it-IT" sz="2000" dirty="0" err="1">
+                <a:latin typeface="Consolas" panose="020B0609020204030204" pitchFamily="49" charset="0"/>
+                <a:cs typeface="Consolas" panose="020B0609020204030204" pitchFamily="49" charset="0"/>
+              </a:rPr>
+              <a:t>name.</a:t>
+            </a:r>
+            <a:r>
+              <a:rPr lang="it-IT" sz="2000" dirty="0" err="1">
+                <a:solidFill>
+                  <a:schemeClr val="accent6">
+                    <a:lumMod val="75000"/>
+                  </a:schemeClr>
+                </a:solidFill>
+                <a:latin typeface="Consolas" panose="020B0609020204030204" pitchFamily="49" charset="0"/>
+                <a:cs typeface="Consolas" panose="020B0609020204030204" pitchFamily="49" charset="0"/>
+              </a:rPr>
+              <a:t>islower</a:t>
+            </a:r>
+            <a:r>
+              <a:rPr lang="it-IT" sz="2000" dirty="0">
+                <a:latin typeface="Consolas" panose="020B0609020204030204" pitchFamily="49" charset="0"/>
+                <a:cs typeface="Consolas" panose="020B0609020204030204" pitchFamily="49" charset="0"/>
+              </a:rPr>
+              <a:t>())</a:t>
+            </a:r>
+            <a:br>
+              <a:rPr lang="it-IT" sz="2000" dirty="0">
+                <a:latin typeface="Consolas" panose="020B0609020204030204" pitchFamily="49" charset="0"/>
+                <a:cs typeface="Consolas" panose="020B0609020204030204" pitchFamily="49" charset="0"/>
+              </a:rPr>
+            </a:br>
+            <a:r>
+              <a:rPr lang="it-IT" sz="2000" dirty="0" err="1">
+                <a:latin typeface="Consolas" panose="020B0609020204030204" pitchFamily="49" charset="0"/>
+                <a:cs typeface="Consolas" panose="020B0609020204030204" pitchFamily="49" charset="0"/>
+              </a:rPr>
+              <a:t>print</a:t>
+            </a:r>
+            <a:r>
+              <a:rPr lang="it-IT" sz="2000" dirty="0">
+                <a:latin typeface="Consolas" panose="020B0609020204030204" pitchFamily="49" charset="0"/>
+                <a:cs typeface="Consolas" panose="020B0609020204030204" pitchFamily="49" charset="0"/>
+              </a:rPr>
+              <a:t>(</a:t>
+            </a:r>
+            <a:r>
+              <a:rPr lang="it-IT" sz="2000" dirty="0" err="1">
+                <a:latin typeface="Consolas" panose="020B0609020204030204" pitchFamily="49" charset="0"/>
+                <a:cs typeface="Consolas" panose="020B0609020204030204" pitchFamily="49" charset="0"/>
+              </a:rPr>
+              <a:t>name.</a:t>
+            </a:r>
+            <a:r>
+              <a:rPr lang="it-IT" sz="2000" dirty="0" err="1">
+                <a:solidFill>
+                  <a:schemeClr val="accent6">
+                    <a:lumMod val="75000"/>
+                  </a:schemeClr>
+                </a:solidFill>
+                <a:latin typeface="Consolas" panose="020B0609020204030204" pitchFamily="49" charset="0"/>
+                <a:cs typeface="Consolas" panose="020B0609020204030204" pitchFamily="49" charset="0"/>
+              </a:rPr>
+              <a:t>isupper</a:t>
+            </a:r>
+            <a:r>
+              <a:rPr lang="it-IT" sz="2000" dirty="0">
+                <a:latin typeface="Consolas" panose="020B0609020204030204" pitchFamily="49" charset="0"/>
+                <a:cs typeface="Consolas" panose="020B0609020204030204" pitchFamily="49" charset="0"/>
+              </a:rPr>
+              <a:t>())</a:t>
+            </a:r>
+            <a:br>
+              <a:rPr lang="it-IT" sz="2000" dirty="0">
+                <a:latin typeface="Consolas" panose="020B0609020204030204" pitchFamily="49" charset="0"/>
+                <a:cs typeface="Consolas" panose="020B0609020204030204" pitchFamily="49" charset="0"/>
+              </a:rPr>
+            </a:br>
+            <a:r>
+              <a:rPr lang="it-IT" sz="2000" dirty="0" err="1">
+                <a:latin typeface="Consolas" panose="020B0609020204030204" pitchFamily="49" charset="0"/>
+                <a:cs typeface="Consolas" panose="020B0609020204030204" pitchFamily="49" charset="0"/>
+              </a:rPr>
+              <a:t>print</a:t>
+            </a:r>
+            <a:r>
+              <a:rPr lang="it-IT" sz="2000" dirty="0">
+                <a:latin typeface="Consolas" panose="020B0609020204030204" pitchFamily="49" charset="0"/>
+                <a:cs typeface="Consolas" panose="020B0609020204030204" pitchFamily="49" charset="0"/>
+              </a:rPr>
+              <a:t>(</a:t>
+            </a:r>
+            <a:r>
+              <a:rPr lang="it-IT" sz="2000" dirty="0" err="1">
+                <a:latin typeface="Consolas" panose="020B0609020204030204" pitchFamily="49" charset="0"/>
+                <a:cs typeface="Consolas" panose="020B0609020204030204" pitchFamily="49" charset="0"/>
+              </a:rPr>
+              <a:t>name.</a:t>
+            </a:r>
+            <a:r>
+              <a:rPr lang="it-IT" sz="2000" dirty="0" err="1">
+                <a:solidFill>
+                  <a:schemeClr val="accent6">
+                    <a:lumMod val="75000"/>
+                  </a:schemeClr>
+                </a:solidFill>
+                <a:latin typeface="Consolas" panose="020B0609020204030204" pitchFamily="49" charset="0"/>
+                <a:cs typeface="Consolas" panose="020B0609020204030204" pitchFamily="49" charset="0"/>
+              </a:rPr>
+              <a:t>istitle</a:t>
+            </a:r>
+            <a:r>
+              <a:rPr lang="it-IT" sz="2000" dirty="0">
+                <a:latin typeface="Consolas" panose="020B0609020204030204" pitchFamily="49" charset="0"/>
+                <a:cs typeface="Consolas" panose="020B0609020204030204" pitchFamily="49" charset="0"/>
+              </a:rPr>
+              <a:t>())</a:t>
+            </a:r>
+          </a:p>
+          <a:p>
+            <a:pPr marL="0" indent="0" fontAlgn="auto">
+              <a:spcAft>
+                <a:spcPts val="0"/>
+              </a:spcAft>
+              <a:buFont typeface="Arial"/>
+              <a:buNone/>
+              <a:defRPr/>
+            </a:pPr>
+            <a:endParaRPr lang="it-IT" sz="2000" dirty="0">
+              <a:latin typeface="Consolas" panose="020B0609020204030204" pitchFamily="49" charset="0"/>
+              <a:cs typeface="Consolas" panose="020B0609020204030204" pitchFamily="49" charset="0"/>
+            </a:endParaRPr>
           </a:p>
         </p:txBody>
       </p:sp>
       <p:sp>
         <p:nvSpPr>
-          <p:cNvPr id="33794" name="Content Placeholder 2">
+          <p:cNvPr id="2" name="Content Placeholder 1">
             <a:extLst>
               <a:ext uri="{FF2B5EF4-FFF2-40B4-BE49-F238E27FC236}">
-                <a16:creationId xmlns:a16="http://schemas.microsoft.com/office/drawing/2014/main" id="{878DFC1C-A751-EE44-8E08-84FD90891175}"/>
+                <a16:creationId xmlns:a16="http://schemas.microsoft.com/office/drawing/2014/main" id="{21ADDEE0-89BA-9149-BB49-06EE2CB348ED}"/>
               </a:ext>
             </a:extLst>
           </p:cNvPr>
           <p:cNvSpPr>
-            <a:spLocks noGrp="1" noChangeArrowheads="1"/>
+            <a:spLocks noGrp="1"/>
           </p:cNvSpPr>
           <p:nvPr>
-            <p:ph idx="1"/>
+            <p:ph sz="half" idx="2"/>
           </p:nvPr>
         </p:nvSpPr>
         <p:spPr/>
@@ -29326,495 +30051,195 @@
           <a:bodyPr/>
           <a:lstStyle/>
           <a:p>
-            <a:r>
-              <a:rPr lang="it-IT" sz="2400" dirty="0" err="1">
-                <a:solidFill>
-                  <a:schemeClr val="accent6">
-                    <a:lumMod val="75000"/>
-                  </a:schemeClr>
-                </a:solidFill>
-              </a:rPr>
-              <a:t>Explicit</a:t>
-            </a:r>
-            <a:r>
-              <a:rPr lang="it-IT" sz="2400" dirty="0">
-                <a:solidFill>
-                  <a:schemeClr val="accent6">
-                    <a:lumMod val="75000"/>
-                  </a:schemeClr>
-                </a:solidFill>
-              </a:rPr>
-              <a:t> casting </a:t>
-            </a:r>
-            <a:r>
-              <a:rPr lang="it-IT" sz="2400" dirty="0" err="1">
-                <a:solidFill>
-                  <a:schemeClr val="accent6">
-                    <a:lumMod val="75000"/>
-                  </a:schemeClr>
-                </a:solidFill>
-              </a:rPr>
-              <a:t>is</a:t>
-            </a:r>
-            <a:r>
-              <a:rPr lang="it-IT" sz="2400" dirty="0">
-                <a:solidFill>
-                  <a:schemeClr val="accent6">
-                    <a:lumMod val="75000"/>
-                  </a:schemeClr>
-                </a:solidFill>
-              </a:rPr>
-              <a:t> </a:t>
-            </a:r>
-            <a:r>
-              <a:rPr lang="it-IT" sz="2400" dirty="0" err="1">
-                <a:solidFill>
-                  <a:schemeClr val="accent6">
-                    <a:lumMod val="75000"/>
-                  </a:schemeClr>
-                </a:solidFill>
-              </a:rPr>
-              <a:t>required</a:t>
-            </a:r>
-            <a:r>
-              <a:rPr lang="it-IT" sz="2400" dirty="0">
-                <a:solidFill>
-                  <a:schemeClr val="accent6">
-                    <a:lumMod val="75000"/>
-                  </a:schemeClr>
-                </a:solidFill>
-              </a:rPr>
-              <a:t> </a:t>
-            </a:r>
-            <a:r>
-              <a:rPr lang="it-IT" sz="2400" dirty="0" err="1">
-                <a:solidFill>
-                  <a:schemeClr val="accent6">
-                    <a:lumMod val="75000"/>
-                  </a:schemeClr>
-                </a:solidFill>
-              </a:rPr>
-              <a:t>when</a:t>
-            </a:r>
-            <a:r>
-              <a:rPr lang="it-IT" sz="2400" dirty="0">
-                <a:solidFill>
-                  <a:schemeClr val="accent6">
-                    <a:lumMod val="75000"/>
-                  </a:schemeClr>
-                </a:solidFill>
-              </a:rPr>
-              <a:t> mixing </a:t>
-            </a:r>
-            <a:r>
-              <a:rPr lang="it-IT" sz="2400" dirty="0" err="1">
-                <a:solidFill>
-                  <a:schemeClr val="accent6">
-                    <a:lumMod val="75000"/>
-                  </a:schemeClr>
-                </a:solidFill>
-              </a:rPr>
-              <a:t>numeric</a:t>
-            </a:r>
-            <a:r>
-              <a:rPr lang="it-IT" sz="2400" dirty="0">
-                <a:solidFill>
-                  <a:schemeClr val="accent6">
-                    <a:lumMod val="75000"/>
-                  </a:schemeClr>
-                </a:solidFill>
-              </a:rPr>
-              <a:t> </a:t>
-            </a:r>
-            <a:r>
-              <a:rPr lang="it-IT" sz="2400" dirty="0" err="1">
-                <a:solidFill>
-                  <a:schemeClr val="accent6">
-                    <a:lumMod val="75000"/>
-                  </a:schemeClr>
-                </a:solidFill>
-              </a:rPr>
-              <a:t>literals</a:t>
-            </a:r>
-            <a:r>
-              <a:rPr lang="it-IT" sz="2400" dirty="0">
-                <a:solidFill>
-                  <a:schemeClr val="accent6">
-                    <a:lumMod val="75000"/>
-                  </a:schemeClr>
-                </a:solidFill>
-              </a:rPr>
-              <a:t> and </a:t>
-            </a:r>
-            <a:r>
-              <a:rPr lang="it-IT" sz="2400" dirty="0" err="1">
-                <a:solidFill>
-                  <a:schemeClr val="accent6">
-                    <a:lumMod val="75000"/>
-                  </a:schemeClr>
-                </a:solidFill>
-              </a:rPr>
-              <a:t>string</a:t>
-            </a:r>
-            <a:r>
-              <a:rPr lang="it-IT" sz="2400" dirty="0">
-                <a:solidFill>
-                  <a:schemeClr val="accent6">
-                    <a:lumMod val="75000"/>
-                  </a:schemeClr>
-                </a:solidFill>
-              </a:rPr>
-              <a:t> </a:t>
-            </a:r>
-            <a:r>
-              <a:rPr lang="it-IT" sz="2400" dirty="0" err="1">
-                <a:solidFill>
-                  <a:schemeClr val="accent6">
-                    <a:lumMod val="75000"/>
-                  </a:schemeClr>
-                </a:solidFill>
-              </a:rPr>
-              <a:t>literals</a:t>
-            </a:r>
-            <a:r>
-              <a:rPr lang="it-IT" sz="2400" dirty="0">
-                <a:solidFill>
-                  <a:schemeClr val="accent6">
-                    <a:lumMod val="75000"/>
-                  </a:schemeClr>
-                </a:solidFill>
-              </a:rPr>
-              <a:t>.</a:t>
-            </a:r>
-          </a:p>
-          <a:p>
-            <a:r>
-              <a:rPr lang="it-IT" sz="2400" dirty="0" err="1"/>
-              <a:t>Alternatively</a:t>
-            </a:r>
-            <a:r>
-              <a:rPr lang="it-IT" sz="2400" dirty="0"/>
-              <a:t>, use </a:t>
-            </a:r>
-            <a:r>
-              <a:rPr lang="it-IT" sz="2400" dirty="0" err="1"/>
-              <a:t>string</a:t>
-            </a:r>
-            <a:r>
-              <a:rPr lang="it-IT" sz="2400" dirty="0"/>
-              <a:t> </a:t>
-            </a:r>
-            <a:r>
-              <a:rPr lang="it-IT" sz="2400" dirty="0" err="1"/>
-              <a:t>formatting</a:t>
-            </a:r>
-            <a:r>
-              <a:rPr lang="it-IT" sz="2400" dirty="0"/>
-              <a:t> </a:t>
-            </a:r>
-            <a:r>
-              <a:rPr lang="it-IT" sz="2400" dirty="0" err="1"/>
-              <a:t>techniques</a:t>
-            </a:r>
-            <a:r>
-              <a:rPr lang="it-IT" sz="2400" dirty="0"/>
-              <a:t>.</a:t>
-            </a:r>
-          </a:p>
-          <a:p>
-            <a:pPr marL="0" indent="0">
-              <a:buNone/>
-            </a:pPr>
-            <a:endParaRPr lang="it-IT" sz="2400" dirty="0"/>
-          </a:p>
-          <a:p>
-            <a:pPr marL="0" indent="0">
-              <a:buNone/>
-            </a:pPr>
-            <a:r>
-              <a:rPr lang="it-IT" sz="2400" dirty="0" err="1">
-                <a:latin typeface="Consolas" panose="020B0609020204030204" pitchFamily="49" charset="0"/>
-                <a:cs typeface="Consolas" panose="020B0609020204030204" pitchFamily="49" charset="0"/>
-              </a:rPr>
-              <a:t>age</a:t>
-            </a:r>
-            <a:r>
-              <a:rPr lang="it-IT" sz="2400" dirty="0">
-                <a:latin typeface="Consolas" panose="020B0609020204030204" pitchFamily="49" charset="0"/>
-                <a:cs typeface="Consolas" panose="020B0609020204030204" pitchFamily="49" charset="0"/>
-              </a:rPr>
-              <a:t> = 23 </a:t>
-            </a:r>
-          </a:p>
-          <a:p>
-            <a:pPr marL="0" indent="0">
-              <a:buNone/>
-            </a:pPr>
-            <a:r>
-              <a:rPr lang="it-IT" sz="2400" dirty="0">
-                <a:solidFill>
-                  <a:srgbClr val="FF0000"/>
-                </a:solidFill>
-                <a:latin typeface="Consolas" panose="020B0609020204030204" pitchFamily="49" charset="0"/>
-                <a:cs typeface="Consolas" panose="020B0609020204030204" pitchFamily="49" charset="0"/>
-              </a:rPr>
-              <a:t>msg = </a:t>
-            </a:r>
-            <a:r>
-              <a:rPr lang="it-IT" sz="2400" dirty="0">
-                <a:latin typeface="Consolas" panose="020B0609020204030204" pitchFamily="49" charset="0"/>
-                <a:cs typeface="Consolas" panose="020B0609020204030204" pitchFamily="49" charset="0"/>
-              </a:rPr>
-              <a:t>'</a:t>
-            </a:r>
-            <a:r>
-              <a:rPr lang="it-IT" sz="2400" dirty="0">
-                <a:solidFill>
-                  <a:srgbClr val="FF0000"/>
-                </a:solidFill>
-                <a:latin typeface="Consolas" panose="020B0609020204030204" pitchFamily="49" charset="0"/>
-                <a:cs typeface="Consolas" panose="020B0609020204030204" pitchFamily="49" charset="0"/>
-              </a:rPr>
-              <a:t>Happy </a:t>
-            </a:r>
-            <a:r>
-              <a:rPr lang="it-IT" sz="2400" dirty="0">
-                <a:latin typeface="Consolas" panose="020B0609020204030204" pitchFamily="49" charset="0"/>
-                <a:cs typeface="Consolas" panose="020B0609020204030204" pitchFamily="49" charset="0"/>
-              </a:rPr>
-              <a:t>'</a:t>
-            </a:r>
-            <a:r>
-              <a:rPr lang="it-IT" sz="2400" dirty="0">
-                <a:solidFill>
-                  <a:srgbClr val="FF0000"/>
-                </a:solidFill>
-                <a:latin typeface="Consolas" panose="020B0609020204030204" pitchFamily="49" charset="0"/>
-                <a:cs typeface="Consolas" panose="020B0609020204030204" pitchFamily="49" charset="0"/>
-              </a:rPr>
-              <a:t> + </a:t>
-            </a:r>
-            <a:r>
-              <a:rPr lang="it-IT" sz="2400" dirty="0" err="1">
-                <a:solidFill>
-                  <a:srgbClr val="FF0000"/>
-                </a:solidFill>
-                <a:latin typeface="Consolas" panose="020B0609020204030204" pitchFamily="49" charset="0"/>
-                <a:cs typeface="Consolas" panose="020B0609020204030204" pitchFamily="49" charset="0"/>
-              </a:rPr>
-              <a:t>age</a:t>
-            </a:r>
-            <a:r>
-              <a:rPr lang="it-IT" sz="2400" dirty="0">
-                <a:solidFill>
-                  <a:srgbClr val="FF0000"/>
-                </a:solidFill>
-                <a:latin typeface="Consolas" panose="020B0609020204030204" pitchFamily="49" charset="0"/>
-                <a:cs typeface="Consolas" panose="020B0609020204030204" pitchFamily="49" charset="0"/>
-              </a:rPr>
-              <a:t> + </a:t>
-            </a:r>
-            <a:r>
-              <a:rPr lang="it-IT" sz="2400" dirty="0">
-                <a:latin typeface="Consolas" panose="020B0609020204030204" pitchFamily="49" charset="0"/>
-                <a:cs typeface="Consolas" panose="020B0609020204030204" pitchFamily="49" charset="0"/>
-              </a:rPr>
-              <a:t>'</a:t>
-            </a:r>
-            <a:r>
-              <a:rPr lang="it-IT" sz="2400" dirty="0" err="1">
-                <a:solidFill>
-                  <a:srgbClr val="FF0000"/>
-                </a:solidFill>
-                <a:latin typeface="Consolas" panose="020B0609020204030204" pitchFamily="49" charset="0"/>
-                <a:cs typeface="Consolas" panose="020B0609020204030204" pitchFamily="49" charset="0"/>
-              </a:rPr>
-              <a:t>rd</a:t>
-            </a:r>
-            <a:r>
-              <a:rPr lang="it-IT" sz="2400" dirty="0">
-                <a:solidFill>
-                  <a:srgbClr val="FF0000"/>
-                </a:solidFill>
-                <a:latin typeface="Consolas" panose="020B0609020204030204" pitchFamily="49" charset="0"/>
-                <a:cs typeface="Consolas" panose="020B0609020204030204" pitchFamily="49" charset="0"/>
-              </a:rPr>
-              <a:t> </a:t>
-            </a:r>
-            <a:r>
-              <a:rPr lang="it-IT" sz="2400" dirty="0" err="1">
-                <a:solidFill>
-                  <a:srgbClr val="FF0000"/>
-                </a:solidFill>
-                <a:latin typeface="Consolas" panose="020B0609020204030204" pitchFamily="49" charset="0"/>
-                <a:cs typeface="Consolas" panose="020B0609020204030204" pitchFamily="49" charset="0"/>
-              </a:rPr>
-              <a:t>Birthday</a:t>
-            </a:r>
-            <a:r>
-              <a:rPr lang="it-IT" sz="2400" dirty="0">
-                <a:solidFill>
-                  <a:srgbClr val="FF0000"/>
-                </a:solidFill>
-                <a:latin typeface="Consolas" panose="020B0609020204030204" pitchFamily="49" charset="0"/>
-                <a:cs typeface="Consolas" panose="020B0609020204030204" pitchFamily="49" charset="0"/>
-              </a:rPr>
-              <a:t>!</a:t>
-            </a:r>
-            <a:r>
-              <a:rPr lang="it-IT" sz="2400" dirty="0">
-                <a:latin typeface="Consolas" panose="020B0609020204030204" pitchFamily="49" charset="0"/>
-                <a:cs typeface="Consolas" panose="020B0609020204030204" pitchFamily="49" charset="0"/>
-              </a:rPr>
-              <a:t>'</a:t>
-            </a:r>
-            <a:r>
-              <a:rPr lang="it-IT" sz="2400" dirty="0">
-                <a:solidFill>
-                  <a:srgbClr val="FF0000"/>
-                </a:solidFill>
-                <a:latin typeface="Consolas" panose="020B0609020204030204" pitchFamily="49" charset="0"/>
-                <a:cs typeface="Consolas" panose="020B0609020204030204" pitchFamily="49" charset="0"/>
-              </a:rPr>
-              <a:t> </a:t>
-            </a:r>
-          </a:p>
-          <a:p>
-            <a:pPr marL="0" indent="0">
-              <a:buNone/>
-            </a:pPr>
-            <a:r>
-              <a:rPr lang="it-IT" sz="2400" dirty="0">
-                <a:latin typeface="Consolas" panose="020B0609020204030204" pitchFamily="49" charset="0"/>
-                <a:cs typeface="Consolas" panose="020B0609020204030204" pitchFamily="49" charset="0"/>
-              </a:rPr>
-              <a:t>msg = 'Happy ' + </a:t>
-            </a:r>
-            <a:r>
-              <a:rPr lang="it-IT" sz="2400" dirty="0" err="1">
-                <a:latin typeface="Consolas" panose="020B0609020204030204" pitchFamily="49" charset="0"/>
-                <a:cs typeface="Consolas" panose="020B0609020204030204" pitchFamily="49" charset="0"/>
-              </a:rPr>
-              <a:t>str</a:t>
-            </a:r>
-            <a:r>
-              <a:rPr lang="it-IT" sz="2400" dirty="0">
-                <a:latin typeface="Consolas" panose="020B0609020204030204" pitchFamily="49" charset="0"/>
-                <a:cs typeface="Consolas" panose="020B0609020204030204" pitchFamily="49" charset="0"/>
-              </a:rPr>
-              <a:t>(</a:t>
-            </a:r>
-            <a:r>
-              <a:rPr lang="it-IT" sz="2400" dirty="0" err="1">
-                <a:latin typeface="Consolas" panose="020B0609020204030204" pitchFamily="49" charset="0"/>
-                <a:cs typeface="Consolas" panose="020B0609020204030204" pitchFamily="49" charset="0"/>
-              </a:rPr>
-              <a:t>age</a:t>
-            </a:r>
-            <a:r>
-              <a:rPr lang="it-IT" sz="2400" dirty="0">
-                <a:latin typeface="Consolas" panose="020B0609020204030204" pitchFamily="49" charset="0"/>
-                <a:cs typeface="Consolas" panose="020B0609020204030204" pitchFamily="49" charset="0"/>
-              </a:rPr>
-              <a:t>) + '</a:t>
-            </a:r>
-            <a:r>
-              <a:rPr lang="it-IT" sz="2400" dirty="0" err="1">
-                <a:latin typeface="Consolas" panose="020B0609020204030204" pitchFamily="49" charset="0"/>
-                <a:cs typeface="Consolas" panose="020B0609020204030204" pitchFamily="49" charset="0"/>
-              </a:rPr>
-              <a:t>rd</a:t>
-            </a:r>
-            <a:r>
-              <a:rPr lang="it-IT" sz="2400" dirty="0">
-                <a:latin typeface="Consolas" panose="020B0609020204030204" pitchFamily="49" charset="0"/>
-                <a:cs typeface="Consolas" panose="020B0609020204030204" pitchFamily="49" charset="0"/>
-              </a:rPr>
-              <a:t> </a:t>
-            </a:r>
-            <a:r>
-              <a:rPr lang="it-IT" sz="2400" dirty="0" err="1">
-                <a:latin typeface="Consolas" panose="020B0609020204030204" pitchFamily="49" charset="0"/>
-                <a:cs typeface="Consolas" panose="020B0609020204030204" pitchFamily="49" charset="0"/>
-              </a:rPr>
-              <a:t>Birthday</a:t>
-            </a:r>
-            <a:r>
-              <a:rPr lang="it-IT" sz="2400" dirty="0">
-                <a:latin typeface="Consolas" panose="020B0609020204030204" pitchFamily="49" charset="0"/>
-                <a:cs typeface="Consolas" panose="020B0609020204030204" pitchFamily="49" charset="0"/>
-              </a:rPr>
-              <a:t>!'</a:t>
-            </a:r>
-          </a:p>
-          <a:p>
-            <a:pPr marL="0" indent="0">
-              <a:buNone/>
-            </a:pPr>
-            <a:r>
-              <a:rPr lang="it-IT" sz="2400" dirty="0">
-                <a:latin typeface="Consolas" panose="020B0609020204030204" pitchFamily="49" charset="0"/>
-                <a:cs typeface="Consolas" panose="020B0609020204030204" pitchFamily="49" charset="0"/>
-              </a:rPr>
-              <a:t>msg = 'Happy {}</a:t>
-            </a:r>
-            <a:r>
-              <a:rPr lang="it-IT" sz="2400" dirty="0" err="1">
-                <a:latin typeface="Consolas" panose="020B0609020204030204" pitchFamily="49" charset="0"/>
-                <a:cs typeface="Consolas" panose="020B0609020204030204" pitchFamily="49" charset="0"/>
-              </a:rPr>
-              <a:t>rd</a:t>
-            </a:r>
-            <a:r>
-              <a:rPr lang="it-IT" sz="2400" dirty="0">
-                <a:latin typeface="Consolas" panose="020B0609020204030204" pitchFamily="49" charset="0"/>
-                <a:cs typeface="Consolas" panose="020B0609020204030204" pitchFamily="49" charset="0"/>
-              </a:rPr>
-              <a:t> </a:t>
-            </a:r>
-            <a:r>
-              <a:rPr lang="it-IT" sz="2400" dirty="0" err="1">
-                <a:latin typeface="Consolas" panose="020B0609020204030204" pitchFamily="49" charset="0"/>
-                <a:cs typeface="Consolas" panose="020B0609020204030204" pitchFamily="49" charset="0"/>
-              </a:rPr>
-              <a:t>Birthday</a:t>
-            </a:r>
-            <a:r>
-              <a:rPr lang="it-IT" sz="2400" dirty="0">
-                <a:latin typeface="Consolas" panose="020B0609020204030204" pitchFamily="49" charset="0"/>
-                <a:cs typeface="Consolas" panose="020B0609020204030204" pitchFamily="49" charset="0"/>
-              </a:rPr>
-              <a:t>'.format(</a:t>
-            </a:r>
-            <a:r>
-              <a:rPr lang="it-IT" sz="2400" dirty="0" err="1">
-                <a:latin typeface="Consolas" panose="020B0609020204030204" pitchFamily="49" charset="0"/>
-                <a:cs typeface="Consolas" panose="020B0609020204030204" pitchFamily="49" charset="0"/>
-              </a:rPr>
-              <a:t>age</a:t>
-            </a:r>
-            <a:r>
-              <a:rPr lang="it-IT" sz="2400" dirty="0">
-                <a:latin typeface="Consolas" panose="020B0609020204030204" pitchFamily="49" charset="0"/>
-                <a:cs typeface="Consolas" panose="020B0609020204030204" pitchFamily="49" charset="0"/>
-              </a:rPr>
-              <a:t>) </a:t>
-            </a:r>
-          </a:p>
-          <a:p>
-            <a:pPr marL="0" indent="0">
-              <a:buNone/>
-            </a:pPr>
-            <a:endParaRPr lang="it-IT" sz="2400" dirty="0"/>
+            <a:pPr marL="0" indent="0" fontAlgn="auto">
+              <a:spcAft>
+                <a:spcPts val="0"/>
+              </a:spcAft>
+              <a:buFont typeface="Arial"/>
+              <a:buNone/>
+              <a:defRPr/>
+            </a:pPr>
+            <a:r>
+              <a:rPr lang="it-IT" sz="2000" dirty="0">
+                <a:latin typeface="Consolas" panose="020B0609020204030204" pitchFamily="49" charset="0"/>
+                <a:cs typeface="Consolas" panose="020B0609020204030204" pitchFamily="49" charset="0"/>
+              </a:rPr>
+              <a:t># Output</a:t>
+            </a:r>
+          </a:p>
+          <a:p>
+            <a:pPr marL="0" indent="0" fontAlgn="auto">
+              <a:spcAft>
+                <a:spcPts val="0"/>
+              </a:spcAft>
+              <a:buFont typeface="Arial"/>
+              <a:buNone/>
+              <a:defRPr/>
+            </a:pPr>
+            <a:r>
+              <a:rPr lang="it-IT" sz="2000" dirty="0">
+                <a:latin typeface="Consolas" panose="020B0609020204030204" pitchFamily="49" charset="0"/>
+                <a:cs typeface="Consolas" panose="020B0609020204030204" pitchFamily="49" charset="0"/>
+              </a:rPr>
+              <a:t>ADA LOVELACE</a:t>
+            </a:r>
+          </a:p>
+          <a:p>
+            <a:pPr marL="0" indent="0" fontAlgn="auto">
+              <a:spcAft>
+                <a:spcPts val="0"/>
+              </a:spcAft>
+              <a:buFont typeface="Arial"/>
+              <a:buNone/>
+              <a:defRPr/>
+            </a:pPr>
+            <a:r>
+              <a:rPr lang="it-IT" sz="2000" dirty="0" err="1">
+                <a:latin typeface="Consolas" panose="020B0609020204030204" pitchFamily="49" charset="0"/>
+                <a:cs typeface="Consolas" panose="020B0609020204030204" pitchFamily="49" charset="0"/>
+              </a:rPr>
+              <a:t>ada</a:t>
+            </a:r>
+            <a:r>
+              <a:rPr lang="it-IT" sz="2000" dirty="0">
+                <a:latin typeface="Consolas" panose="020B0609020204030204" pitchFamily="49" charset="0"/>
+                <a:cs typeface="Consolas" panose="020B0609020204030204" pitchFamily="49" charset="0"/>
+              </a:rPr>
+              <a:t> </a:t>
+            </a:r>
+            <a:r>
+              <a:rPr lang="it-IT" sz="2000" dirty="0" err="1">
+                <a:latin typeface="Consolas" panose="020B0609020204030204" pitchFamily="49" charset="0"/>
+                <a:cs typeface="Consolas" panose="020B0609020204030204" pitchFamily="49" charset="0"/>
+              </a:rPr>
+              <a:t>lovelace</a:t>
+            </a:r>
+            <a:endParaRPr lang="it-IT" sz="2000" dirty="0">
+              <a:latin typeface="Consolas" panose="020B0609020204030204" pitchFamily="49" charset="0"/>
+              <a:cs typeface="Consolas" panose="020B0609020204030204" pitchFamily="49" charset="0"/>
+            </a:endParaRPr>
+          </a:p>
+          <a:p>
+            <a:pPr marL="0" indent="0" fontAlgn="auto">
+              <a:spcAft>
+                <a:spcPts val="0"/>
+              </a:spcAft>
+              <a:buFont typeface="Arial"/>
+              <a:buNone/>
+              <a:defRPr/>
+            </a:pPr>
+            <a:r>
+              <a:rPr lang="it-IT" sz="2000" dirty="0">
+                <a:latin typeface="Consolas" panose="020B0609020204030204" pitchFamily="49" charset="0"/>
+                <a:cs typeface="Consolas" panose="020B0609020204030204" pitchFamily="49" charset="0"/>
+              </a:rPr>
+              <a:t>Ada </a:t>
+            </a:r>
+            <a:r>
+              <a:rPr lang="it-IT" sz="2000" dirty="0" err="1">
+                <a:latin typeface="Consolas" panose="020B0609020204030204" pitchFamily="49" charset="0"/>
+                <a:cs typeface="Consolas" panose="020B0609020204030204" pitchFamily="49" charset="0"/>
+              </a:rPr>
+              <a:t>lovelace</a:t>
+            </a:r>
+            <a:endParaRPr lang="it-IT" sz="2000" dirty="0">
+              <a:latin typeface="Consolas" panose="020B0609020204030204" pitchFamily="49" charset="0"/>
+              <a:cs typeface="Consolas" panose="020B0609020204030204" pitchFamily="49" charset="0"/>
+            </a:endParaRPr>
+          </a:p>
+          <a:p>
+            <a:pPr marL="0" indent="0" fontAlgn="auto">
+              <a:spcAft>
+                <a:spcPts val="0"/>
+              </a:spcAft>
+              <a:buFont typeface="Arial"/>
+              <a:buNone/>
+              <a:defRPr/>
+            </a:pPr>
+            <a:r>
+              <a:rPr lang="it-IT" sz="2000" dirty="0">
+                <a:latin typeface="Consolas" panose="020B0609020204030204" pitchFamily="49" charset="0"/>
+                <a:cs typeface="Consolas" panose="020B0609020204030204" pitchFamily="49" charset="0"/>
+              </a:rPr>
+              <a:t>Ada </a:t>
+            </a:r>
+            <a:r>
+              <a:rPr lang="it-IT" sz="2000" dirty="0" err="1">
+                <a:latin typeface="Consolas" panose="020B0609020204030204" pitchFamily="49" charset="0"/>
+                <a:cs typeface="Consolas" panose="020B0609020204030204" pitchFamily="49" charset="0"/>
+              </a:rPr>
+              <a:t>Lovelace</a:t>
+            </a:r>
+            <a:endParaRPr lang="it-IT" sz="2000" dirty="0">
+              <a:latin typeface="Consolas" panose="020B0609020204030204" pitchFamily="49" charset="0"/>
+              <a:cs typeface="Consolas" panose="020B0609020204030204" pitchFamily="49" charset="0"/>
+            </a:endParaRPr>
+          </a:p>
+          <a:p>
+            <a:pPr marL="0" indent="0" fontAlgn="auto">
+              <a:spcAft>
+                <a:spcPts val="0"/>
+              </a:spcAft>
+              <a:buFont typeface="Arial"/>
+              <a:buNone/>
+              <a:defRPr/>
+            </a:pPr>
+            <a:r>
+              <a:rPr lang="it-IT" sz="2000" dirty="0">
+                <a:latin typeface="Consolas" panose="020B0609020204030204" pitchFamily="49" charset="0"/>
+                <a:cs typeface="Consolas" panose="020B0609020204030204" pitchFamily="49" charset="0"/>
+              </a:rPr>
+              <a:t>False</a:t>
+            </a:r>
+          </a:p>
+          <a:p>
+            <a:pPr marL="0" indent="0" fontAlgn="auto">
+              <a:spcAft>
+                <a:spcPts val="0"/>
+              </a:spcAft>
+              <a:buFont typeface="Arial"/>
+              <a:buNone/>
+              <a:defRPr/>
+            </a:pPr>
+            <a:r>
+              <a:rPr lang="it-IT" sz="2000" dirty="0">
+                <a:latin typeface="Consolas" panose="020B0609020204030204" pitchFamily="49" charset="0"/>
+                <a:cs typeface="Consolas" panose="020B0609020204030204" pitchFamily="49" charset="0"/>
+              </a:rPr>
+              <a:t>False</a:t>
+            </a:r>
+          </a:p>
+          <a:p>
+            <a:pPr marL="0" indent="0" fontAlgn="auto">
+              <a:spcAft>
+                <a:spcPts val="0"/>
+              </a:spcAft>
+              <a:buFont typeface="Arial"/>
+              <a:buNone/>
+              <a:defRPr/>
+            </a:pPr>
+            <a:r>
+              <a:rPr lang="it-IT" sz="2000" dirty="0">
+                <a:latin typeface="Consolas" panose="020B0609020204030204" pitchFamily="49" charset="0"/>
+                <a:cs typeface="Consolas" panose="020B0609020204030204" pitchFamily="49" charset="0"/>
+              </a:rPr>
+              <a:t>True</a:t>
+            </a:r>
+          </a:p>
+          <a:p>
+            <a:pPr marL="0" indent="0">
+              <a:buNone/>
+            </a:pPr>
+            <a:endParaRPr lang="en-GB" sz="2000" dirty="0"/>
           </a:p>
         </p:txBody>
       </p:sp>
       <p:sp>
         <p:nvSpPr>
-          <p:cNvPr id="33795" name="Slide Number Placeholder 3">
+          <p:cNvPr id="31747" name="Slide Number Placeholder 3">
             <a:extLst>
               <a:ext uri="{FF2B5EF4-FFF2-40B4-BE49-F238E27FC236}">
-                <a16:creationId xmlns:a16="http://schemas.microsoft.com/office/drawing/2014/main" id="{3D70E335-0ABA-DA43-92B4-8FD1599D7135}"/>
+                <a16:creationId xmlns:a16="http://schemas.microsoft.com/office/drawing/2014/main" id="{8E16FF41-8577-2A42-A78C-9798D7C8B995}"/>
               </a:ext>
             </a:extLst>
           </p:cNvPr>
@@ -29960,7 +30385,7 @@
                 <a:spcPct val="0"/>
               </a:spcAft>
             </a:pPr>
-            <a:fld id="{EC18F378-9565-2F4E-9CD7-9F1D2DA8AD47}" type="slidenum">
+            <a:fld id="{D90C713C-7B5D-BC4A-8CA0-B1A728CD2F12}" type="slidenum">
               <a:rPr lang="it-IT" altLang="it-IT"/>
               <a:pPr fontAlgn="base">
                 <a:spcBef>
@@ -29977,11 +30402,6 @@
         </p:txBody>
       </p:sp>
     </p:spTree>
-    <p:extLst>
-      <p:ext uri="{BB962C8B-B14F-4D97-AF65-F5344CB8AC3E}">
-        <p14:creationId xmlns:p14="http://schemas.microsoft.com/office/powerpoint/2010/main" val="3146206764"/>
-      </p:ext>
-    </p:extLst>
   </p:cSld>
   <p:clrMapOvr>
     <a:masterClrMapping/>
